--- a/How to build an Oracle application - the tools.pptx
+++ b/How to build an Oracle application - the tools.pptx
@@ -5,27 +5,28 @@
     <p:sldMasterId id="2147483648" r:id="rId1"/>
   </p:sldMasterIdLst>
   <p:notesMasterIdLst>
-    <p:notesMasterId r:id="rId20"/>
+    <p:notesMasterId r:id="rId21"/>
   </p:notesMasterIdLst>
   <p:sldIdLst>
     <p:sldId id="256" r:id="rId2"/>
     <p:sldId id="258" r:id="rId3"/>
     <p:sldId id="259" r:id="rId4"/>
-    <p:sldId id="260" r:id="rId5"/>
-    <p:sldId id="261" r:id="rId6"/>
-    <p:sldId id="262" r:id="rId7"/>
-    <p:sldId id="263" r:id="rId8"/>
-    <p:sldId id="264" r:id="rId9"/>
-    <p:sldId id="265" r:id="rId10"/>
-    <p:sldId id="266" r:id="rId11"/>
-    <p:sldId id="267" r:id="rId12"/>
-    <p:sldId id="268" r:id="rId13"/>
-    <p:sldId id="269" r:id="rId14"/>
-    <p:sldId id="270" r:id="rId15"/>
-    <p:sldId id="271" r:id="rId16"/>
-    <p:sldId id="273" r:id="rId17"/>
-    <p:sldId id="274" r:id="rId18"/>
-    <p:sldId id="275" r:id="rId19"/>
+    <p:sldId id="276" r:id="rId5"/>
+    <p:sldId id="260" r:id="rId6"/>
+    <p:sldId id="261" r:id="rId7"/>
+    <p:sldId id="262" r:id="rId8"/>
+    <p:sldId id="263" r:id="rId9"/>
+    <p:sldId id="264" r:id="rId10"/>
+    <p:sldId id="265" r:id="rId11"/>
+    <p:sldId id="266" r:id="rId12"/>
+    <p:sldId id="267" r:id="rId13"/>
+    <p:sldId id="268" r:id="rId14"/>
+    <p:sldId id="269" r:id="rId15"/>
+    <p:sldId id="270" r:id="rId16"/>
+    <p:sldId id="271" r:id="rId17"/>
+    <p:sldId id="273" r:id="rId18"/>
+    <p:sldId id="274" r:id="rId19"/>
+    <p:sldId id="275" r:id="rId20"/>
   </p:sldIdLst>
   <p:sldSz cx="12192000" cy="6858000"/>
   <p:notesSz cx="6858000" cy="9144000"/>
@@ -124,6 +125,11 @@
       </a:defRPr>
     </a:lvl9pPr>
   </p:defaultTextStyle>
+  <p:extLst>
+    <p:ext uri="{EFAFB233-063F-42B5-8137-9DF3F51BA10A}">
+      <p15:sldGuideLst xmlns:p15="http://schemas.microsoft.com/office/powerpoint/2012/main"/>
+    </p:ext>
+  </p:extLst>
 </p:presentation>
 </file>
 
@@ -209,7 +215,7 @@
           <a:p>
             <a:fld id="{31702171-2BF0-437B-A54F-6FC54BBCB05F}" type="datetimeFigureOut">
               <a:rPr lang="en-GB" smtClean="0"/>
-              <a:t>21/06/2021</a:t>
+              <a:t>22/06/2021</a:t>
             </a:fld>
             <a:endParaRPr lang="en-GB"/>
           </a:p>
@@ -4094,7 +4100,7 @@
           <p:cNvPr id="2" name="Title 1">
             <a:extLst>
               <a:ext uri="{FF2B5EF4-FFF2-40B4-BE49-F238E27FC236}">
-                <a16:creationId xmlns:a16="http://schemas.microsoft.com/office/drawing/2014/main" id="{8662E9C8-8BC1-4E8B-B78D-1CCA133335C3}"/>
+                <a16:creationId xmlns:a16="http://schemas.microsoft.com/office/drawing/2014/main" id="{67854708-1F10-4312-AC78-4D85A5DF4BD9}"/>
               </a:ext>
             </a:extLst>
           </p:cNvPr>
@@ -4119,7 +4125,7 @@
           <p:cNvPr id="3" name="Content Placeholder 2">
             <a:extLst>
               <a:ext uri="{FF2B5EF4-FFF2-40B4-BE49-F238E27FC236}">
-                <a16:creationId xmlns:a16="http://schemas.microsoft.com/office/drawing/2014/main" id="{1FBD81B0-C5D1-48D1-B919-44FAE4C05CB5}"/>
+                <a16:creationId xmlns:a16="http://schemas.microsoft.com/office/drawing/2014/main" id="{A48EBFDF-1170-40F3-8D23-00047DBC7282}"/>
               </a:ext>
             </a:extLst>
           </p:cNvPr>
@@ -4144,7 +4150,7 @@
           <p:cNvPr id="5" name="Picture 4">
             <a:extLst>
               <a:ext uri="{FF2B5EF4-FFF2-40B4-BE49-F238E27FC236}">
-                <a16:creationId xmlns:a16="http://schemas.microsoft.com/office/drawing/2014/main" id="{3090AF13-DAAF-4B01-A14C-596DC3916EC1}"/>
+                <a16:creationId xmlns:a16="http://schemas.microsoft.com/office/drawing/2014/main" id="{4C0A2E05-6E7D-479E-BF4B-020D68D61218}"/>
               </a:ext>
             </a:extLst>
           </p:cNvPr>
@@ -4174,7 +4180,7 @@
           <p:cNvPr id="6" name="Date Placeholder 5">
             <a:extLst>
               <a:ext uri="{FF2B5EF4-FFF2-40B4-BE49-F238E27FC236}">
-                <a16:creationId xmlns:a16="http://schemas.microsoft.com/office/drawing/2014/main" id="{0DA107F3-8A05-41AF-9DB8-C552A1CAB42A}"/>
+                <a16:creationId xmlns:a16="http://schemas.microsoft.com/office/drawing/2014/main" id="{63FAB503-783C-4275-9045-71CD986D67A3}"/>
               </a:ext>
             </a:extLst>
           </p:cNvPr>
@@ -4203,7 +4209,7 @@
           <p:cNvPr id="7" name="Footer Placeholder 6">
             <a:extLst>
               <a:ext uri="{FF2B5EF4-FFF2-40B4-BE49-F238E27FC236}">
-                <a16:creationId xmlns:a16="http://schemas.microsoft.com/office/drawing/2014/main" id="{CB371919-BEFF-457E-A578-C1274CDBA256}"/>
+                <a16:creationId xmlns:a16="http://schemas.microsoft.com/office/drawing/2014/main" id="{E1BE3951-C2A7-41B5-95D0-6A2385A86200}"/>
               </a:ext>
             </a:extLst>
           </p:cNvPr>
@@ -4232,7 +4238,7 @@
           <p:cNvPr id="8" name="Slide Number Placeholder 7">
             <a:extLst>
               <a:ext uri="{FF2B5EF4-FFF2-40B4-BE49-F238E27FC236}">
-                <a16:creationId xmlns:a16="http://schemas.microsoft.com/office/drawing/2014/main" id="{FF96D258-B7F4-4C5F-BB3F-BEEF1C42A7F9}"/>
+                <a16:creationId xmlns:a16="http://schemas.microsoft.com/office/drawing/2014/main" id="{76930071-5DD2-4CC6-846D-030B94AD69F4}"/>
               </a:ext>
             </a:extLst>
           </p:cNvPr>
@@ -4259,7 +4265,7 @@
     </p:spTree>
     <p:extLst>
       <p:ext uri="{BB962C8B-B14F-4D97-AF65-F5344CB8AC3E}">
-        <p14:creationId xmlns:p14="http://schemas.microsoft.com/office/powerpoint/2010/main" val="2851799483"/>
+        <p14:creationId xmlns:p14="http://schemas.microsoft.com/office/powerpoint/2010/main" val="99485643"/>
       </p:ext>
     </p:extLst>
   </p:cSld>
@@ -4291,7 +4297,7 @@
           <p:cNvPr id="2" name="Title 1">
             <a:extLst>
               <a:ext uri="{FF2B5EF4-FFF2-40B4-BE49-F238E27FC236}">
-                <a16:creationId xmlns:a16="http://schemas.microsoft.com/office/drawing/2014/main" id="{DC057699-B45B-4119-A198-ED55EFC77721}"/>
+                <a16:creationId xmlns:a16="http://schemas.microsoft.com/office/drawing/2014/main" id="{8662E9C8-8BC1-4E8B-B78D-1CCA133335C3}"/>
               </a:ext>
             </a:extLst>
           </p:cNvPr>
@@ -4316,7 +4322,7 @@
           <p:cNvPr id="3" name="Content Placeholder 2">
             <a:extLst>
               <a:ext uri="{FF2B5EF4-FFF2-40B4-BE49-F238E27FC236}">
-                <a16:creationId xmlns:a16="http://schemas.microsoft.com/office/drawing/2014/main" id="{74E88F0B-704B-431D-B145-B8CF580C0021}"/>
+                <a16:creationId xmlns:a16="http://schemas.microsoft.com/office/drawing/2014/main" id="{1FBD81B0-C5D1-48D1-B919-44FAE4C05CB5}"/>
               </a:ext>
             </a:extLst>
           </p:cNvPr>
@@ -4341,7 +4347,7 @@
           <p:cNvPr id="5" name="Picture 4">
             <a:extLst>
               <a:ext uri="{FF2B5EF4-FFF2-40B4-BE49-F238E27FC236}">
-                <a16:creationId xmlns:a16="http://schemas.microsoft.com/office/drawing/2014/main" id="{E9D26695-14E7-4CB9-A9AB-ED13DF95E2D9}"/>
+                <a16:creationId xmlns:a16="http://schemas.microsoft.com/office/drawing/2014/main" id="{3090AF13-DAAF-4B01-A14C-596DC3916EC1}"/>
               </a:ext>
             </a:extLst>
           </p:cNvPr>
@@ -4371,7 +4377,7 @@
           <p:cNvPr id="6" name="Date Placeholder 5">
             <a:extLst>
               <a:ext uri="{FF2B5EF4-FFF2-40B4-BE49-F238E27FC236}">
-                <a16:creationId xmlns:a16="http://schemas.microsoft.com/office/drawing/2014/main" id="{9EBA43DB-D2B4-41E3-B71F-FB83EA4D1228}"/>
+                <a16:creationId xmlns:a16="http://schemas.microsoft.com/office/drawing/2014/main" id="{0DA107F3-8A05-41AF-9DB8-C552A1CAB42A}"/>
               </a:ext>
             </a:extLst>
           </p:cNvPr>
@@ -4400,7 +4406,7 @@
           <p:cNvPr id="7" name="Footer Placeholder 6">
             <a:extLst>
               <a:ext uri="{FF2B5EF4-FFF2-40B4-BE49-F238E27FC236}">
-                <a16:creationId xmlns:a16="http://schemas.microsoft.com/office/drawing/2014/main" id="{B192B308-F5EA-4050-BFDD-87540B0EA48A}"/>
+                <a16:creationId xmlns:a16="http://schemas.microsoft.com/office/drawing/2014/main" id="{CB371919-BEFF-457E-A578-C1274CDBA256}"/>
               </a:ext>
             </a:extLst>
           </p:cNvPr>
@@ -4429,7 +4435,7 @@
           <p:cNvPr id="8" name="Slide Number Placeholder 7">
             <a:extLst>
               <a:ext uri="{FF2B5EF4-FFF2-40B4-BE49-F238E27FC236}">
-                <a16:creationId xmlns:a16="http://schemas.microsoft.com/office/drawing/2014/main" id="{4A592F85-385F-496E-B434-84EAE3AF922B}"/>
+                <a16:creationId xmlns:a16="http://schemas.microsoft.com/office/drawing/2014/main" id="{FF96D258-B7F4-4C5F-BB3F-BEEF1C42A7F9}"/>
               </a:ext>
             </a:extLst>
           </p:cNvPr>
@@ -4456,7 +4462,7 @@
     </p:spTree>
     <p:extLst>
       <p:ext uri="{BB962C8B-B14F-4D97-AF65-F5344CB8AC3E}">
-        <p14:creationId xmlns:p14="http://schemas.microsoft.com/office/powerpoint/2010/main" val="793778603"/>
+        <p14:creationId xmlns:p14="http://schemas.microsoft.com/office/powerpoint/2010/main" val="2851799483"/>
       </p:ext>
     </p:extLst>
   </p:cSld>
@@ -4488,7 +4494,7 @@
           <p:cNvPr id="2" name="Title 1">
             <a:extLst>
               <a:ext uri="{FF2B5EF4-FFF2-40B4-BE49-F238E27FC236}">
-                <a16:creationId xmlns:a16="http://schemas.microsoft.com/office/drawing/2014/main" id="{85D4FA44-9641-40B8-9CB7-6C37AB58D495}"/>
+                <a16:creationId xmlns:a16="http://schemas.microsoft.com/office/drawing/2014/main" id="{DC057699-B45B-4119-A198-ED55EFC77721}"/>
               </a:ext>
             </a:extLst>
           </p:cNvPr>
@@ -4513,7 +4519,7 @@
           <p:cNvPr id="3" name="Content Placeholder 2">
             <a:extLst>
               <a:ext uri="{FF2B5EF4-FFF2-40B4-BE49-F238E27FC236}">
-                <a16:creationId xmlns:a16="http://schemas.microsoft.com/office/drawing/2014/main" id="{8339804A-5F2F-41E6-90D8-ACDBBE57FA70}"/>
+                <a16:creationId xmlns:a16="http://schemas.microsoft.com/office/drawing/2014/main" id="{74E88F0B-704B-431D-B145-B8CF580C0021}"/>
               </a:ext>
             </a:extLst>
           </p:cNvPr>
@@ -4538,7 +4544,7 @@
           <p:cNvPr id="5" name="Picture 4">
             <a:extLst>
               <a:ext uri="{FF2B5EF4-FFF2-40B4-BE49-F238E27FC236}">
-                <a16:creationId xmlns:a16="http://schemas.microsoft.com/office/drawing/2014/main" id="{EE2820FE-34EC-4C21-B30C-6AC6B9E64C83}"/>
+                <a16:creationId xmlns:a16="http://schemas.microsoft.com/office/drawing/2014/main" id="{E9D26695-14E7-4CB9-A9AB-ED13DF95E2D9}"/>
               </a:ext>
             </a:extLst>
           </p:cNvPr>
@@ -4568,7 +4574,7 @@
           <p:cNvPr id="6" name="Date Placeholder 5">
             <a:extLst>
               <a:ext uri="{FF2B5EF4-FFF2-40B4-BE49-F238E27FC236}">
-                <a16:creationId xmlns:a16="http://schemas.microsoft.com/office/drawing/2014/main" id="{54B09C03-DA2F-4F98-AD52-FC38E64381CF}"/>
+                <a16:creationId xmlns:a16="http://schemas.microsoft.com/office/drawing/2014/main" id="{9EBA43DB-D2B4-41E3-B71F-FB83EA4D1228}"/>
               </a:ext>
             </a:extLst>
           </p:cNvPr>
@@ -4597,7 +4603,7 @@
           <p:cNvPr id="7" name="Footer Placeholder 6">
             <a:extLst>
               <a:ext uri="{FF2B5EF4-FFF2-40B4-BE49-F238E27FC236}">
-                <a16:creationId xmlns:a16="http://schemas.microsoft.com/office/drawing/2014/main" id="{E0C97A03-9647-4EE1-8A5F-98D0A0780B0E}"/>
+                <a16:creationId xmlns:a16="http://schemas.microsoft.com/office/drawing/2014/main" id="{B192B308-F5EA-4050-BFDD-87540B0EA48A}"/>
               </a:ext>
             </a:extLst>
           </p:cNvPr>
@@ -4626,7 +4632,7 @@
           <p:cNvPr id="8" name="Slide Number Placeholder 7">
             <a:extLst>
               <a:ext uri="{FF2B5EF4-FFF2-40B4-BE49-F238E27FC236}">
-                <a16:creationId xmlns:a16="http://schemas.microsoft.com/office/drawing/2014/main" id="{42D417BB-FB13-4518-9B0F-432BAFE69369}"/>
+                <a16:creationId xmlns:a16="http://schemas.microsoft.com/office/drawing/2014/main" id="{4A592F85-385F-496E-B434-84EAE3AF922B}"/>
               </a:ext>
             </a:extLst>
           </p:cNvPr>
@@ -4653,7 +4659,7 @@
     </p:spTree>
     <p:extLst>
       <p:ext uri="{BB962C8B-B14F-4D97-AF65-F5344CB8AC3E}">
-        <p14:creationId xmlns:p14="http://schemas.microsoft.com/office/powerpoint/2010/main" val="1248327833"/>
+        <p14:creationId xmlns:p14="http://schemas.microsoft.com/office/powerpoint/2010/main" val="793778603"/>
       </p:ext>
     </p:extLst>
   </p:cSld>
@@ -4685,7 +4691,7 @@
           <p:cNvPr id="2" name="Title 1">
             <a:extLst>
               <a:ext uri="{FF2B5EF4-FFF2-40B4-BE49-F238E27FC236}">
-                <a16:creationId xmlns:a16="http://schemas.microsoft.com/office/drawing/2014/main" id="{D1E883C6-A3D0-4E39-B037-80FCE02C1AE3}"/>
+                <a16:creationId xmlns:a16="http://schemas.microsoft.com/office/drawing/2014/main" id="{85D4FA44-9641-40B8-9CB7-6C37AB58D495}"/>
               </a:ext>
             </a:extLst>
           </p:cNvPr>
@@ -4710,7 +4716,7 @@
           <p:cNvPr id="3" name="Content Placeholder 2">
             <a:extLst>
               <a:ext uri="{FF2B5EF4-FFF2-40B4-BE49-F238E27FC236}">
-                <a16:creationId xmlns:a16="http://schemas.microsoft.com/office/drawing/2014/main" id="{4765765F-9CEE-44C9-937E-D8BD612E1F73}"/>
+                <a16:creationId xmlns:a16="http://schemas.microsoft.com/office/drawing/2014/main" id="{8339804A-5F2F-41E6-90D8-ACDBBE57FA70}"/>
               </a:ext>
             </a:extLst>
           </p:cNvPr>
@@ -4735,7 +4741,7 @@
           <p:cNvPr id="5" name="Picture 4">
             <a:extLst>
               <a:ext uri="{FF2B5EF4-FFF2-40B4-BE49-F238E27FC236}">
-                <a16:creationId xmlns:a16="http://schemas.microsoft.com/office/drawing/2014/main" id="{BD4A0D48-B5BD-4038-98DB-F3CD50B4F8EB}"/>
+                <a16:creationId xmlns:a16="http://schemas.microsoft.com/office/drawing/2014/main" id="{EE2820FE-34EC-4C21-B30C-6AC6B9E64C83}"/>
               </a:ext>
             </a:extLst>
           </p:cNvPr>
@@ -4765,7 +4771,7 @@
           <p:cNvPr id="6" name="Date Placeholder 5">
             <a:extLst>
               <a:ext uri="{FF2B5EF4-FFF2-40B4-BE49-F238E27FC236}">
-                <a16:creationId xmlns:a16="http://schemas.microsoft.com/office/drawing/2014/main" id="{4FAC4185-EAA9-460B-912E-2349228E25E3}"/>
+                <a16:creationId xmlns:a16="http://schemas.microsoft.com/office/drawing/2014/main" id="{54B09C03-DA2F-4F98-AD52-FC38E64381CF}"/>
               </a:ext>
             </a:extLst>
           </p:cNvPr>
@@ -4794,7 +4800,7 @@
           <p:cNvPr id="7" name="Footer Placeholder 6">
             <a:extLst>
               <a:ext uri="{FF2B5EF4-FFF2-40B4-BE49-F238E27FC236}">
-                <a16:creationId xmlns:a16="http://schemas.microsoft.com/office/drawing/2014/main" id="{58955BFE-920E-4A91-B06C-094A02F20B35}"/>
+                <a16:creationId xmlns:a16="http://schemas.microsoft.com/office/drawing/2014/main" id="{E0C97A03-9647-4EE1-8A5F-98D0A0780B0E}"/>
               </a:ext>
             </a:extLst>
           </p:cNvPr>
@@ -4823,7 +4829,7 @@
           <p:cNvPr id="8" name="Slide Number Placeholder 7">
             <a:extLst>
               <a:ext uri="{FF2B5EF4-FFF2-40B4-BE49-F238E27FC236}">
-                <a16:creationId xmlns:a16="http://schemas.microsoft.com/office/drawing/2014/main" id="{DD9BE969-3B80-4F5D-9244-A253EEB53858}"/>
+                <a16:creationId xmlns:a16="http://schemas.microsoft.com/office/drawing/2014/main" id="{42D417BB-FB13-4518-9B0F-432BAFE69369}"/>
               </a:ext>
             </a:extLst>
           </p:cNvPr>
@@ -4850,7 +4856,7 @@
     </p:spTree>
     <p:extLst>
       <p:ext uri="{BB962C8B-B14F-4D97-AF65-F5344CB8AC3E}">
-        <p14:creationId xmlns:p14="http://schemas.microsoft.com/office/powerpoint/2010/main" val="4078801504"/>
+        <p14:creationId xmlns:p14="http://schemas.microsoft.com/office/powerpoint/2010/main" val="1248327833"/>
       </p:ext>
     </p:extLst>
   </p:cSld>
@@ -4882,7 +4888,7 @@
           <p:cNvPr id="2" name="Title 1">
             <a:extLst>
               <a:ext uri="{FF2B5EF4-FFF2-40B4-BE49-F238E27FC236}">
-                <a16:creationId xmlns:a16="http://schemas.microsoft.com/office/drawing/2014/main" id="{3D30D3D3-9D33-4720-99E0-2D443ECAED4D}"/>
+                <a16:creationId xmlns:a16="http://schemas.microsoft.com/office/drawing/2014/main" id="{D1E883C6-A3D0-4E39-B037-80FCE02C1AE3}"/>
               </a:ext>
             </a:extLst>
           </p:cNvPr>
@@ -4907,7 +4913,7 @@
           <p:cNvPr id="3" name="Content Placeholder 2">
             <a:extLst>
               <a:ext uri="{FF2B5EF4-FFF2-40B4-BE49-F238E27FC236}">
-                <a16:creationId xmlns:a16="http://schemas.microsoft.com/office/drawing/2014/main" id="{BBE097FB-1C90-45D5-BA32-0F4FD6905646}"/>
+                <a16:creationId xmlns:a16="http://schemas.microsoft.com/office/drawing/2014/main" id="{4765765F-9CEE-44C9-937E-D8BD612E1F73}"/>
               </a:ext>
             </a:extLst>
           </p:cNvPr>
@@ -4932,7 +4938,7 @@
           <p:cNvPr id="5" name="Picture 4">
             <a:extLst>
               <a:ext uri="{FF2B5EF4-FFF2-40B4-BE49-F238E27FC236}">
-                <a16:creationId xmlns:a16="http://schemas.microsoft.com/office/drawing/2014/main" id="{328CE4FA-C124-42D5-B89F-ED8B0B1C6707}"/>
+                <a16:creationId xmlns:a16="http://schemas.microsoft.com/office/drawing/2014/main" id="{BD4A0D48-B5BD-4038-98DB-F3CD50B4F8EB}"/>
               </a:ext>
             </a:extLst>
           </p:cNvPr>
@@ -4962,7 +4968,7 @@
           <p:cNvPr id="6" name="Date Placeholder 5">
             <a:extLst>
               <a:ext uri="{FF2B5EF4-FFF2-40B4-BE49-F238E27FC236}">
-                <a16:creationId xmlns:a16="http://schemas.microsoft.com/office/drawing/2014/main" id="{DEDCC669-F137-471E-822F-B4AA1C1C8962}"/>
+                <a16:creationId xmlns:a16="http://schemas.microsoft.com/office/drawing/2014/main" id="{4FAC4185-EAA9-460B-912E-2349228E25E3}"/>
               </a:ext>
             </a:extLst>
           </p:cNvPr>
@@ -4991,7 +4997,7 @@
           <p:cNvPr id="7" name="Footer Placeholder 6">
             <a:extLst>
               <a:ext uri="{FF2B5EF4-FFF2-40B4-BE49-F238E27FC236}">
-                <a16:creationId xmlns:a16="http://schemas.microsoft.com/office/drawing/2014/main" id="{991FC811-5C55-423F-AFE6-CC11D2AEEB32}"/>
+                <a16:creationId xmlns:a16="http://schemas.microsoft.com/office/drawing/2014/main" id="{58955BFE-920E-4A91-B06C-094A02F20B35}"/>
               </a:ext>
             </a:extLst>
           </p:cNvPr>
@@ -5020,7 +5026,7 @@
           <p:cNvPr id="8" name="Slide Number Placeholder 7">
             <a:extLst>
               <a:ext uri="{FF2B5EF4-FFF2-40B4-BE49-F238E27FC236}">
-                <a16:creationId xmlns:a16="http://schemas.microsoft.com/office/drawing/2014/main" id="{3AE42987-0CAD-4E4B-BC3F-35D5E44CF4A8}"/>
+                <a16:creationId xmlns:a16="http://schemas.microsoft.com/office/drawing/2014/main" id="{DD9BE969-3B80-4F5D-9244-A253EEB53858}"/>
               </a:ext>
             </a:extLst>
           </p:cNvPr>
@@ -5047,7 +5053,7 @@
     </p:spTree>
     <p:extLst>
       <p:ext uri="{BB962C8B-B14F-4D97-AF65-F5344CB8AC3E}">
-        <p14:creationId xmlns:p14="http://schemas.microsoft.com/office/powerpoint/2010/main" val="4006170492"/>
+        <p14:creationId xmlns:p14="http://schemas.microsoft.com/office/powerpoint/2010/main" val="4078801504"/>
       </p:ext>
     </p:extLst>
   </p:cSld>
@@ -5079,7 +5085,7 @@
           <p:cNvPr id="2" name="Title 1">
             <a:extLst>
               <a:ext uri="{FF2B5EF4-FFF2-40B4-BE49-F238E27FC236}">
-                <a16:creationId xmlns:a16="http://schemas.microsoft.com/office/drawing/2014/main" id="{F31E633F-B8AE-48EA-B1C8-0A05EE99C471}"/>
+                <a16:creationId xmlns:a16="http://schemas.microsoft.com/office/drawing/2014/main" id="{3D30D3D3-9D33-4720-99E0-2D443ECAED4D}"/>
               </a:ext>
             </a:extLst>
           </p:cNvPr>
@@ -5104,7 +5110,7 @@
           <p:cNvPr id="3" name="Content Placeholder 2">
             <a:extLst>
               <a:ext uri="{FF2B5EF4-FFF2-40B4-BE49-F238E27FC236}">
-                <a16:creationId xmlns:a16="http://schemas.microsoft.com/office/drawing/2014/main" id="{90919476-D7C6-4838-8C65-12F4D6252080}"/>
+                <a16:creationId xmlns:a16="http://schemas.microsoft.com/office/drawing/2014/main" id="{BBE097FB-1C90-45D5-BA32-0F4FD6905646}"/>
               </a:ext>
             </a:extLst>
           </p:cNvPr>
@@ -5129,7 +5135,7 @@
           <p:cNvPr id="5" name="Picture 4">
             <a:extLst>
               <a:ext uri="{FF2B5EF4-FFF2-40B4-BE49-F238E27FC236}">
-                <a16:creationId xmlns:a16="http://schemas.microsoft.com/office/drawing/2014/main" id="{F3A2E970-4BB3-4A29-BDC0-FEED08D0AEBC}"/>
+                <a16:creationId xmlns:a16="http://schemas.microsoft.com/office/drawing/2014/main" id="{328CE4FA-C124-42D5-B89F-ED8B0B1C6707}"/>
               </a:ext>
             </a:extLst>
           </p:cNvPr>
@@ -5159,7 +5165,7 @@
           <p:cNvPr id="6" name="Date Placeholder 5">
             <a:extLst>
               <a:ext uri="{FF2B5EF4-FFF2-40B4-BE49-F238E27FC236}">
-                <a16:creationId xmlns:a16="http://schemas.microsoft.com/office/drawing/2014/main" id="{D060894A-2B7F-45C0-9E97-F9E67D35986B}"/>
+                <a16:creationId xmlns:a16="http://schemas.microsoft.com/office/drawing/2014/main" id="{DEDCC669-F137-471E-822F-B4AA1C1C8962}"/>
               </a:ext>
             </a:extLst>
           </p:cNvPr>
@@ -5188,7 +5194,7 @@
           <p:cNvPr id="7" name="Footer Placeholder 6">
             <a:extLst>
               <a:ext uri="{FF2B5EF4-FFF2-40B4-BE49-F238E27FC236}">
-                <a16:creationId xmlns:a16="http://schemas.microsoft.com/office/drawing/2014/main" id="{E9B8F746-353A-4744-97F9-48750C1367E5}"/>
+                <a16:creationId xmlns:a16="http://schemas.microsoft.com/office/drawing/2014/main" id="{991FC811-5C55-423F-AFE6-CC11D2AEEB32}"/>
               </a:ext>
             </a:extLst>
           </p:cNvPr>
@@ -5217,7 +5223,7 @@
           <p:cNvPr id="8" name="Slide Number Placeholder 7">
             <a:extLst>
               <a:ext uri="{FF2B5EF4-FFF2-40B4-BE49-F238E27FC236}">
-                <a16:creationId xmlns:a16="http://schemas.microsoft.com/office/drawing/2014/main" id="{87BAB4CE-6289-4D75-944D-3FC20017C155}"/>
+                <a16:creationId xmlns:a16="http://schemas.microsoft.com/office/drawing/2014/main" id="{3AE42987-0CAD-4E4B-BC3F-35D5E44CF4A8}"/>
               </a:ext>
             </a:extLst>
           </p:cNvPr>
@@ -5244,7 +5250,7 @@
     </p:spTree>
     <p:extLst>
       <p:ext uri="{BB962C8B-B14F-4D97-AF65-F5344CB8AC3E}">
-        <p14:creationId xmlns:p14="http://schemas.microsoft.com/office/powerpoint/2010/main" val="1013886314"/>
+        <p14:creationId xmlns:p14="http://schemas.microsoft.com/office/powerpoint/2010/main" val="4006170492"/>
       </p:ext>
     </p:extLst>
   </p:cSld>
@@ -5276,7 +5282,7 @@
           <p:cNvPr id="2" name="Title 1">
             <a:extLst>
               <a:ext uri="{FF2B5EF4-FFF2-40B4-BE49-F238E27FC236}">
-                <a16:creationId xmlns:a16="http://schemas.microsoft.com/office/drawing/2014/main" id="{6CE74931-9FC7-4E0F-82E7-42D121B721DD}"/>
+                <a16:creationId xmlns:a16="http://schemas.microsoft.com/office/drawing/2014/main" id="{F31E633F-B8AE-48EA-B1C8-0A05EE99C471}"/>
               </a:ext>
             </a:extLst>
           </p:cNvPr>
@@ -5301,7 +5307,7 @@
           <p:cNvPr id="3" name="Content Placeholder 2">
             <a:extLst>
               <a:ext uri="{FF2B5EF4-FFF2-40B4-BE49-F238E27FC236}">
-                <a16:creationId xmlns:a16="http://schemas.microsoft.com/office/drawing/2014/main" id="{CE8D8979-A44D-4893-BF6F-5C99DD2C77D0}"/>
+                <a16:creationId xmlns:a16="http://schemas.microsoft.com/office/drawing/2014/main" id="{90919476-D7C6-4838-8C65-12F4D6252080}"/>
               </a:ext>
             </a:extLst>
           </p:cNvPr>
@@ -5326,7 +5332,7 @@
           <p:cNvPr id="5" name="Picture 4">
             <a:extLst>
               <a:ext uri="{FF2B5EF4-FFF2-40B4-BE49-F238E27FC236}">
-                <a16:creationId xmlns:a16="http://schemas.microsoft.com/office/drawing/2014/main" id="{570B61E2-6DDE-469D-9858-6D442F888F64}"/>
+                <a16:creationId xmlns:a16="http://schemas.microsoft.com/office/drawing/2014/main" id="{F3A2E970-4BB3-4A29-BDC0-FEED08D0AEBC}"/>
               </a:ext>
             </a:extLst>
           </p:cNvPr>
@@ -5356,7 +5362,7 @@
           <p:cNvPr id="6" name="Date Placeholder 5">
             <a:extLst>
               <a:ext uri="{FF2B5EF4-FFF2-40B4-BE49-F238E27FC236}">
-                <a16:creationId xmlns:a16="http://schemas.microsoft.com/office/drawing/2014/main" id="{9AC3F9D2-C5C7-4E80-B848-A27EF7CED499}"/>
+                <a16:creationId xmlns:a16="http://schemas.microsoft.com/office/drawing/2014/main" id="{D060894A-2B7F-45C0-9E97-F9E67D35986B}"/>
               </a:ext>
             </a:extLst>
           </p:cNvPr>
@@ -5385,7 +5391,7 @@
           <p:cNvPr id="7" name="Footer Placeholder 6">
             <a:extLst>
               <a:ext uri="{FF2B5EF4-FFF2-40B4-BE49-F238E27FC236}">
-                <a16:creationId xmlns:a16="http://schemas.microsoft.com/office/drawing/2014/main" id="{46E41D38-9B12-4C24-B255-F10CAF942C34}"/>
+                <a16:creationId xmlns:a16="http://schemas.microsoft.com/office/drawing/2014/main" id="{E9B8F746-353A-4744-97F9-48750C1367E5}"/>
               </a:ext>
             </a:extLst>
           </p:cNvPr>
@@ -5414,7 +5420,7 @@
           <p:cNvPr id="8" name="Slide Number Placeholder 7">
             <a:extLst>
               <a:ext uri="{FF2B5EF4-FFF2-40B4-BE49-F238E27FC236}">
-                <a16:creationId xmlns:a16="http://schemas.microsoft.com/office/drawing/2014/main" id="{1B84B6D4-DF1D-42B2-99A3-A42A430CBB54}"/>
+                <a16:creationId xmlns:a16="http://schemas.microsoft.com/office/drawing/2014/main" id="{87BAB4CE-6289-4D75-944D-3FC20017C155}"/>
               </a:ext>
             </a:extLst>
           </p:cNvPr>
@@ -5441,7 +5447,7 @@
     </p:spTree>
     <p:extLst>
       <p:ext uri="{BB962C8B-B14F-4D97-AF65-F5344CB8AC3E}">
-        <p14:creationId xmlns:p14="http://schemas.microsoft.com/office/powerpoint/2010/main" val="2886218650"/>
+        <p14:creationId xmlns:p14="http://schemas.microsoft.com/office/powerpoint/2010/main" val="1013886314"/>
       </p:ext>
     </p:extLst>
   </p:cSld>
@@ -5473,7 +5479,7 @@
           <p:cNvPr id="2" name="Title 1">
             <a:extLst>
               <a:ext uri="{FF2B5EF4-FFF2-40B4-BE49-F238E27FC236}">
-                <a16:creationId xmlns:a16="http://schemas.microsoft.com/office/drawing/2014/main" id="{AB114082-C140-4ED8-8354-901B8DBB6B4B}"/>
+                <a16:creationId xmlns:a16="http://schemas.microsoft.com/office/drawing/2014/main" id="{6CE74931-9FC7-4E0F-82E7-42D121B721DD}"/>
               </a:ext>
             </a:extLst>
           </p:cNvPr>
@@ -5489,10 +5495,7 @@
           <a:bodyPr/>
           <a:lstStyle/>
           <a:p>
-            <a:r>
-              <a:rPr lang="en-GB" dirty="0"/>
-              <a:t>Data Model</a:t>
-            </a:r>
+            <a:endParaRPr lang="en-GB"/>
           </a:p>
         </p:txBody>
       </p:sp>
@@ -5501,7 +5504,7 @@
           <p:cNvPr id="3" name="Content Placeholder 2">
             <a:extLst>
               <a:ext uri="{FF2B5EF4-FFF2-40B4-BE49-F238E27FC236}">
-                <a16:creationId xmlns:a16="http://schemas.microsoft.com/office/drawing/2014/main" id="{3AECCE9D-6B6A-4A3E-8C97-5B5F3DE0D60A}"/>
+                <a16:creationId xmlns:a16="http://schemas.microsoft.com/office/drawing/2014/main" id="{CE8D8979-A44D-4893-BF6F-5C99DD2C77D0}"/>
               </a:ext>
             </a:extLst>
           </p:cNvPr>
@@ -5517,75 +5520,46 @@
           <a:bodyPr/>
           <a:lstStyle/>
           <a:p>
-            <a:r>
-              <a:rPr lang="en-GB" dirty="0"/>
-              <a:t>Use SQL Developer Data Modeler to:</a:t>
-            </a:r>
-          </a:p>
-          <a:p>
-            <a:pPr lvl="1"/>
-            <a:r>
-              <a:rPr lang="en-GB" dirty="0"/>
-              <a:t>Define your Entity Relationship Model</a:t>
-            </a:r>
-          </a:p>
-          <a:p>
-            <a:pPr lvl="1"/>
-            <a:r>
-              <a:rPr lang="en-GB" dirty="0"/>
-              <a:t>Create your tables in the relational model</a:t>
-            </a:r>
-          </a:p>
-          <a:p>
-            <a:pPr lvl="2"/>
-            <a:r>
-              <a:rPr lang="en-GB" dirty="0"/>
-              <a:t>Define constraints</a:t>
-            </a:r>
-          </a:p>
-          <a:p>
-            <a:pPr lvl="2"/>
-            <a:r>
-              <a:rPr lang="en-GB" dirty="0"/>
-              <a:t>Create rules to check/modify your model</a:t>
-            </a:r>
-          </a:p>
-          <a:p>
-            <a:pPr lvl="1"/>
-            <a:r>
-              <a:rPr lang="en-GB" dirty="0"/>
-              <a:t>Create incremental DDL scripts to upgrade your database</a:t>
-            </a:r>
-          </a:p>
-          <a:p>
-            <a:pPr lvl="2"/>
-            <a:r>
-              <a:rPr lang="en-GB" dirty="0"/>
-              <a:t>Adding columns</a:t>
-            </a:r>
-          </a:p>
-          <a:p>
-            <a:pPr lvl="2"/>
-            <a:r>
-              <a:rPr lang="en-GB" dirty="0"/>
-              <a:t>Adding constraints</a:t>
-            </a:r>
-          </a:p>
-          <a:p>
-            <a:pPr lvl="1"/>
-            <a:r>
-              <a:rPr lang="en-GB" dirty="0"/>
-              <a:t>That’s all: no views/stored procedures/etcetera</a:t>
-            </a:r>
-          </a:p>
-        </p:txBody>
-      </p:sp>
-      <p:sp>
-        <p:nvSpPr>
-          <p:cNvPr id="4" name="Date Placeholder 3">
-            <a:extLst>
-              <a:ext uri="{FF2B5EF4-FFF2-40B4-BE49-F238E27FC236}">
-                <a16:creationId xmlns:a16="http://schemas.microsoft.com/office/drawing/2014/main" id="{5ED71474-92AB-4155-BB7B-5EFBAF5E24C6}"/>
+            <a:endParaRPr lang="en-GB"/>
+          </a:p>
+        </p:txBody>
+      </p:sp>
+      <p:pic>
+        <p:nvPicPr>
+          <p:cNvPr id="5" name="Picture 4">
+            <a:extLst>
+              <a:ext uri="{FF2B5EF4-FFF2-40B4-BE49-F238E27FC236}">
+                <a16:creationId xmlns:a16="http://schemas.microsoft.com/office/drawing/2014/main" id="{570B61E2-6DDE-469D-9858-6D442F888F64}"/>
+              </a:ext>
+            </a:extLst>
+          </p:cNvPr>
+          <p:cNvPicPr>
+            <a:picLocks noChangeAspect="1"/>
+          </p:cNvPicPr>
+          <p:nvPr/>
+        </p:nvPicPr>
+        <p:blipFill>
+          <a:blip r:embed="rId2"/>
+          <a:stretch>
+            <a:fillRect/>
+          </a:stretch>
+        </p:blipFill>
+        <p:spPr>
+          <a:xfrm>
+            <a:off x="0" y="0"/>
+            <a:ext cx="12192000" cy="6858000"/>
+          </a:xfrm>
+          <a:prstGeom prst="rect">
+            <a:avLst/>
+          </a:prstGeom>
+        </p:spPr>
+      </p:pic>
+      <p:sp>
+        <p:nvSpPr>
+          <p:cNvPr id="6" name="Date Placeholder 5">
+            <a:extLst>
+              <a:ext uri="{FF2B5EF4-FFF2-40B4-BE49-F238E27FC236}">
+                <a16:creationId xmlns:a16="http://schemas.microsoft.com/office/drawing/2014/main" id="{9AC3F9D2-C5C7-4E80-B848-A27EF7CED499}"/>
               </a:ext>
             </a:extLst>
           </p:cNvPr>
@@ -5611,10 +5585,10 @@
       </p:sp>
       <p:sp>
         <p:nvSpPr>
-          <p:cNvPr id="5" name="Footer Placeholder 4">
-            <a:extLst>
-              <a:ext uri="{FF2B5EF4-FFF2-40B4-BE49-F238E27FC236}">
-                <a16:creationId xmlns:a16="http://schemas.microsoft.com/office/drawing/2014/main" id="{9F1A2418-C06C-4E25-9CEC-CB4C7354CF43}"/>
+          <p:cNvPr id="7" name="Footer Placeholder 6">
+            <a:extLst>
+              <a:ext uri="{FF2B5EF4-FFF2-40B4-BE49-F238E27FC236}">
+                <a16:creationId xmlns:a16="http://schemas.microsoft.com/office/drawing/2014/main" id="{46E41D38-9B12-4C24-B255-F10CAF942C34}"/>
               </a:ext>
             </a:extLst>
           </p:cNvPr>
@@ -5640,10 +5614,10 @@
       </p:sp>
       <p:sp>
         <p:nvSpPr>
-          <p:cNvPr id="6" name="Slide Number Placeholder 5">
-            <a:extLst>
-              <a:ext uri="{FF2B5EF4-FFF2-40B4-BE49-F238E27FC236}">
-                <a16:creationId xmlns:a16="http://schemas.microsoft.com/office/drawing/2014/main" id="{7253C971-EED1-4262-9173-7E9961A9AB02}"/>
+          <p:cNvPr id="8" name="Slide Number Placeholder 7">
+            <a:extLst>
+              <a:ext uri="{FF2B5EF4-FFF2-40B4-BE49-F238E27FC236}">
+                <a16:creationId xmlns:a16="http://schemas.microsoft.com/office/drawing/2014/main" id="{1B84B6D4-DF1D-42B2-99A3-A42A430CBB54}"/>
               </a:ext>
             </a:extLst>
           </p:cNvPr>
@@ -5670,7 +5644,7 @@
     </p:spTree>
     <p:extLst>
       <p:ext uri="{BB962C8B-B14F-4D97-AF65-F5344CB8AC3E}">
-        <p14:creationId xmlns:p14="http://schemas.microsoft.com/office/powerpoint/2010/main" val="2694533175"/>
+        <p14:creationId xmlns:p14="http://schemas.microsoft.com/office/powerpoint/2010/main" val="2886218650"/>
       </p:ext>
     </p:extLst>
   </p:cSld>
@@ -5702,7 +5676,7 @@
           <p:cNvPr id="2" name="Title 1">
             <a:extLst>
               <a:ext uri="{FF2B5EF4-FFF2-40B4-BE49-F238E27FC236}">
-                <a16:creationId xmlns:a16="http://schemas.microsoft.com/office/drawing/2014/main" id="{69A1F9D6-DBE8-412A-94F7-8A9745D075D6}"/>
+                <a16:creationId xmlns:a16="http://schemas.microsoft.com/office/drawing/2014/main" id="{AB114082-C140-4ED8-8354-901B8DBB6B4B}"/>
               </a:ext>
             </a:extLst>
           </p:cNvPr>
@@ -5720,7 +5694,7 @@
           <a:p>
             <a:r>
               <a:rPr lang="en-GB" dirty="0"/>
-              <a:t>APEX</a:t>
+              <a:t>Data Model</a:t>
             </a:r>
           </a:p>
         </p:txBody>
@@ -5730,7 +5704,7 @@
           <p:cNvPr id="3" name="Content Placeholder 2">
             <a:extLst>
               <a:ext uri="{FF2B5EF4-FFF2-40B4-BE49-F238E27FC236}">
-                <a16:creationId xmlns:a16="http://schemas.microsoft.com/office/drawing/2014/main" id="{293FF039-693B-4965-8115-590338775989}"/>
+                <a16:creationId xmlns:a16="http://schemas.microsoft.com/office/drawing/2014/main" id="{3AECCE9D-6B6A-4A3E-8C97-5B5F3DE0D60A}"/>
               </a:ext>
             </a:extLst>
           </p:cNvPr>
@@ -5748,69 +5722,64 @@
           <a:p>
             <a:r>
               <a:rPr lang="en-GB" dirty="0"/>
-              <a:t>Less is more:</a:t>
+              <a:t>Use SQL Developer Data Modeler to:</a:t>
             </a:r>
           </a:p>
           <a:p>
             <a:pPr lvl="1"/>
             <a:r>
               <a:rPr lang="en-GB" dirty="0"/>
-              <a:t>The less code (in APEX), the faster</a:t>
+              <a:t>Define your Entity Relationship Model</a:t>
+            </a:r>
+          </a:p>
+          <a:p>
+            <a:pPr lvl="1"/>
+            <a:r>
+              <a:rPr lang="en-GB" dirty="0"/>
+              <a:t>Create your tables in the relational model</a:t>
             </a:r>
           </a:p>
           <a:p>
             <a:pPr lvl="2"/>
             <a:r>
               <a:rPr lang="en-GB" dirty="0"/>
-              <a:t>Run-time (less parsing)</a:t>
+              <a:t>Define constraints</a:t>
             </a:r>
           </a:p>
           <a:p>
             <a:pPr lvl="2"/>
             <a:r>
               <a:rPr lang="en-GB" dirty="0"/>
-              <a:t>Development time (imports/exports)</a:t>
+              <a:t>Create rules to check/modify your model</a:t>
+            </a:r>
+          </a:p>
+          <a:p>
+            <a:pPr lvl="1"/>
+            <a:r>
+              <a:rPr lang="en-GB" dirty="0"/>
+              <a:t>Create incremental DDL scripts to upgrade your database</a:t>
             </a:r>
           </a:p>
           <a:p>
             <a:pPr lvl="2"/>
             <a:r>
               <a:rPr lang="en-GB" dirty="0"/>
-              <a:t>Impact analysis</a:t>
-            </a:r>
-          </a:p>
-          <a:p>
+              <a:t>Adding columns</a:t>
+            </a:r>
+          </a:p>
+          <a:p>
+            <a:pPr lvl="2"/>
             <a:r>
               <a:rPr lang="en-GB" dirty="0"/>
-              <a:t>Know your tool: use the latest techniques (read release notes)</a:t>
-            </a:r>
-          </a:p>
-          <a:p>
+              <a:t>Adding constraints</a:t>
+            </a:r>
+          </a:p>
+          <a:p>
+            <a:pPr lvl="1"/>
             <a:r>
               <a:rPr lang="en-GB" dirty="0"/>
-              <a:t>Clean-up: remove obsolete code, plugins, files</a:t>
-            </a:r>
-          </a:p>
-          <a:p>
-            <a:r>
-              <a:rPr lang="en-GB" dirty="0"/>
-              <a:t>Use the </a:t>
-            </a:r>
-            <a:r>
-              <a:rPr lang="en-GB"/>
-              <a:t>Advisor Utility to </a:t>
-            </a:r>
-            <a:r>
-              <a:rPr lang="en-GB" dirty="0"/>
-              <a:t>improve the quality</a:t>
-            </a:r>
-          </a:p>
-          <a:p>
-            <a:endParaRPr lang="en-GB" dirty="0"/>
-          </a:p>
-          <a:p>
-            <a:pPr lvl="2"/>
-            <a:endParaRPr lang="en-GB" dirty="0"/>
+              <a:t>That’s all: no views/stored procedures/etcetera</a:t>
+            </a:r>
           </a:p>
         </p:txBody>
       </p:sp>
@@ -5819,7 +5788,7 @@
           <p:cNvPr id="4" name="Date Placeholder 3">
             <a:extLst>
               <a:ext uri="{FF2B5EF4-FFF2-40B4-BE49-F238E27FC236}">
-                <a16:creationId xmlns:a16="http://schemas.microsoft.com/office/drawing/2014/main" id="{16284112-0CF2-4EDC-960A-65769FE6F540}"/>
+                <a16:creationId xmlns:a16="http://schemas.microsoft.com/office/drawing/2014/main" id="{5ED71474-92AB-4155-BB7B-5EFBAF5E24C6}"/>
               </a:ext>
             </a:extLst>
           </p:cNvPr>
@@ -5848,7 +5817,7 @@
           <p:cNvPr id="5" name="Footer Placeholder 4">
             <a:extLst>
               <a:ext uri="{FF2B5EF4-FFF2-40B4-BE49-F238E27FC236}">
-                <a16:creationId xmlns:a16="http://schemas.microsoft.com/office/drawing/2014/main" id="{A488DC34-AAA9-4157-A274-DFCEF587663E}"/>
+                <a16:creationId xmlns:a16="http://schemas.microsoft.com/office/drawing/2014/main" id="{9F1A2418-C06C-4E25-9CEC-CB4C7354CF43}"/>
               </a:ext>
             </a:extLst>
           </p:cNvPr>
@@ -5877,7 +5846,7 @@
           <p:cNvPr id="6" name="Slide Number Placeholder 5">
             <a:extLst>
               <a:ext uri="{FF2B5EF4-FFF2-40B4-BE49-F238E27FC236}">
-                <a16:creationId xmlns:a16="http://schemas.microsoft.com/office/drawing/2014/main" id="{625F538C-76B1-47FD-81FA-ADC38D62B209}"/>
+                <a16:creationId xmlns:a16="http://schemas.microsoft.com/office/drawing/2014/main" id="{7253C971-EED1-4262-9173-7E9961A9AB02}"/>
               </a:ext>
             </a:extLst>
           </p:cNvPr>
@@ -5896,6 +5865,240 @@
             <a:fld id="{8D58A9D6-1D4F-4E06-AC95-61F9296CA899}" type="slidenum">
               <a:rPr lang="fr-FR" smtClean="0"/>
               <a:t>18</a:t>
+            </a:fld>
+            <a:endParaRPr lang="fr-FR"/>
+          </a:p>
+        </p:txBody>
+      </p:sp>
+    </p:spTree>
+    <p:extLst>
+      <p:ext uri="{BB962C8B-B14F-4D97-AF65-F5344CB8AC3E}">
+        <p14:creationId xmlns:p14="http://schemas.microsoft.com/office/powerpoint/2010/main" val="2694533175"/>
+      </p:ext>
+    </p:extLst>
+  </p:cSld>
+  <p:clrMapOvr>
+    <a:masterClrMapping/>
+  </p:clrMapOvr>
+</p:sld>
+</file>
+
+<file path=ppt/slides/slide19.xml><?xml version="1.0" encoding="utf-8"?>
+<p:sld xmlns:a="http://schemas.openxmlformats.org/drawingml/2006/main" xmlns:r="http://schemas.openxmlformats.org/officeDocument/2006/relationships" xmlns:p="http://schemas.openxmlformats.org/presentationml/2006/main">
+  <p:cSld>
+    <p:spTree>
+      <p:nvGrpSpPr>
+        <p:cNvPr id="1" name=""/>
+        <p:cNvGrpSpPr/>
+        <p:nvPr/>
+      </p:nvGrpSpPr>
+      <p:grpSpPr>
+        <a:xfrm>
+          <a:off x="0" y="0"/>
+          <a:ext cx="0" cy="0"/>
+          <a:chOff x="0" y="0"/>
+          <a:chExt cx="0" cy="0"/>
+        </a:xfrm>
+      </p:grpSpPr>
+      <p:sp>
+        <p:nvSpPr>
+          <p:cNvPr id="2" name="Title 1">
+            <a:extLst>
+              <a:ext uri="{FF2B5EF4-FFF2-40B4-BE49-F238E27FC236}">
+                <a16:creationId xmlns:a16="http://schemas.microsoft.com/office/drawing/2014/main" id="{69A1F9D6-DBE8-412A-94F7-8A9745D075D6}"/>
+              </a:ext>
+            </a:extLst>
+          </p:cNvPr>
+          <p:cNvSpPr>
+            <a:spLocks noGrp="1"/>
+          </p:cNvSpPr>
+          <p:nvPr>
+            <p:ph type="title"/>
+          </p:nvPr>
+        </p:nvSpPr>
+        <p:spPr/>
+        <p:txBody>
+          <a:bodyPr/>
+          <a:lstStyle/>
+          <a:p>
+            <a:r>
+              <a:rPr lang="en-GB" dirty="0"/>
+              <a:t>APEX</a:t>
+            </a:r>
+          </a:p>
+        </p:txBody>
+      </p:sp>
+      <p:sp>
+        <p:nvSpPr>
+          <p:cNvPr id="3" name="Content Placeholder 2">
+            <a:extLst>
+              <a:ext uri="{FF2B5EF4-FFF2-40B4-BE49-F238E27FC236}">
+                <a16:creationId xmlns:a16="http://schemas.microsoft.com/office/drawing/2014/main" id="{293FF039-693B-4965-8115-590338775989}"/>
+              </a:ext>
+            </a:extLst>
+          </p:cNvPr>
+          <p:cNvSpPr>
+            <a:spLocks noGrp="1"/>
+          </p:cNvSpPr>
+          <p:nvPr>
+            <p:ph idx="1"/>
+          </p:nvPr>
+        </p:nvSpPr>
+        <p:spPr/>
+        <p:txBody>
+          <a:bodyPr/>
+          <a:lstStyle/>
+          <a:p>
+            <a:r>
+              <a:rPr lang="en-GB" dirty="0"/>
+              <a:t>Less is more:</a:t>
+            </a:r>
+          </a:p>
+          <a:p>
+            <a:pPr lvl="1"/>
+            <a:r>
+              <a:rPr lang="en-GB" dirty="0"/>
+              <a:t>The less code (in APEX), the faster</a:t>
+            </a:r>
+          </a:p>
+          <a:p>
+            <a:pPr lvl="2"/>
+            <a:r>
+              <a:rPr lang="en-GB" dirty="0"/>
+              <a:t>Run-time (less parsing)</a:t>
+            </a:r>
+          </a:p>
+          <a:p>
+            <a:pPr lvl="2"/>
+            <a:r>
+              <a:rPr lang="en-GB" dirty="0"/>
+              <a:t>Development time (imports/exports)</a:t>
+            </a:r>
+          </a:p>
+          <a:p>
+            <a:pPr lvl="2"/>
+            <a:r>
+              <a:rPr lang="en-GB" dirty="0"/>
+              <a:t>Impact analysis</a:t>
+            </a:r>
+          </a:p>
+          <a:p>
+            <a:r>
+              <a:rPr lang="en-GB" dirty="0"/>
+              <a:t>Know your tool: use the latest techniques (read release notes)</a:t>
+            </a:r>
+          </a:p>
+          <a:p>
+            <a:r>
+              <a:rPr lang="en-GB" dirty="0"/>
+              <a:t>Clean-up: remove obsolete code, plugins, files</a:t>
+            </a:r>
+          </a:p>
+          <a:p>
+            <a:r>
+              <a:rPr lang="en-GB" dirty="0"/>
+              <a:t>Use the </a:t>
+            </a:r>
+            <a:r>
+              <a:rPr lang="en-GB"/>
+              <a:t>Advisor Utility to </a:t>
+            </a:r>
+            <a:r>
+              <a:rPr lang="en-GB" dirty="0"/>
+              <a:t>improve the quality</a:t>
+            </a:r>
+          </a:p>
+          <a:p>
+            <a:endParaRPr lang="en-GB" dirty="0"/>
+          </a:p>
+          <a:p>
+            <a:pPr lvl="2"/>
+            <a:endParaRPr lang="en-GB" dirty="0"/>
+          </a:p>
+        </p:txBody>
+      </p:sp>
+      <p:sp>
+        <p:nvSpPr>
+          <p:cNvPr id="4" name="Date Placeholder 3">
+            <a:extLst>
+              <a:ext uri="{FF2B5EF4-FFF2-40B4-BE49-F238E27FC236}">
+                <a16:creationId xmlns:a16="http://schemas.microsoft.com/office/drawing/2014/main" id="{16284112-0CF2-4EDC-960A-65769FE6F540}"/>
+              </a:ext>
+            </a:extLst>
+          </p:cNvPr>
+          <p:cNvSpPr>
+            <a:spLocks noGrp="1"/>
+          </p:cNvSpPr>
+          <p:nvPr>
+            <p:ph type="dt" sz="half" idx="10"/>
+          </p:nvPr>
+        </p:nvSpPr>
+        <p:spPr/>
+        <p:txBody>
+          <a:bodyPr/>
+          <a:lstStyle/>
+          <a:p>
+            <a:r>
+              <a:rPr lang="en-US"/>
+              <a:t>21/06/2021</a:t>
+            </a:r>
+            <a:endParaRPr lang="fr-FR"/>
+          </a:p>
+        </p:txBody>
+      </p:sp>
+      <p:sp>
+        <p:nvSpPr>
+          <p:cNvPr id="5" name="Footer Placeholder 4">
+            <a:extLst>
+              <a:ext uri="{FF2B5EF4-FFF2-40B4-BE49-F238E27FC236}">
+                <a16:creationId xmlns:a16="http://schemas.microsoft.com/office/drawing/2014/main" id="{A488DC34-AAA9-4157-A274-DFCEF587663E}"/>
+              </a:ext>
+            </a:extLst>
+          </p:cNvPr>
+          <p:cNvSpPr>
+            <a:spLocks noGrp="1"/>
+          </p:cNvSpPr>
+          <p:nvPr>
+            <p:ph type="ftr" sz="quarter" idx="11"/>
+          </p:nvPr>
+        </p:nvSpPr>
+        <p:spPr/>
+        <p:txBody>
+          <a:bodyPr/>
+          <a:lstStyle/>
+          <a:p>
+            <a:r>
+              <a:rPr lang="en-GB"/>
+              <a:t>How to build an Oracle application: the tools</a:t>
+            </a:r>
+            <a:endParaRPr lang="fr-FR" dirty="0"/>
+          </a:p>
+        </p:txBody>
+      </p:sp>
+      <p:sp>
+        <p:nvSpPr>
+          <p:cNvPr id="6" name="Slide Number Placeholder 5">
+            <a:extLst>
+              <a:ext uri="{FF2B5EF4-FFF2-40B4-BE49-F238E27FC236}">
+                <a16:creationId xmlns:a16="http://schemas.microsoft.com/office/drawing/2014/main" id="{625F538C-76B1-47FD-81FA-ADC38D62B209}"/>
+              </a:ext>
+            </a:extLst>
+          </p:cNvPr>
+          <p:cNvSpPr>
+            <a:spLocks noGrp="1"/>
+          </p:cNvSpPr>
+          <p:nvPr>
+            <p:ph type="sldNum" sz="quarter" idx="12"/>
+          </p:nvPr>
+        </p:nvSpPr>
+        <p:spPr/>
+        <p:txBody>
+          <a:bodyPr/>
+          <a:lstStyle/>
+          <a:p>
+            <a:fld id="{8D58A9D6-1D4F-4E06-AC95-61F9296CA899}" type="slidenum">
+              <a:rPr lang="fr-FR" smtClean="0"/>
+              <a:t>19</a:t>
             </a:fld>
             <a:endParaRPr lang="fr-FR"/>
           </a:p>
@@ -5988,6 +6191,12 @@
           <a:p>
             <a:r>
               <a:rPr lang="en-GB" dirty="0"/>
+              <a:t>Steven Feuerstein</a:t>
+            </a:r>
+          </a:p>
+          <a:p>
+            <a:r>
+              <a:rPr lang="en-GB" dirty="0"/>
               <a:t>Tom </a:t>
             </a:r>
             <a:r>
@@ -6199,6 +6408,23 @@
               <a:t>KISS</a:t>
             </a:r>
           </a:p>
+          <a:p>
+            <a:r>
+              <a:rPr lang="en-GB" dirty="0"/>
+              <a:t>Small is beautiful</a:t>
+            </a:r>
+          </a:p>
+          <a:p>
+            <a:r>
+              <a:rPr lang="en-GB" dirty="0"/>
+              <a:t>Use best practices: </a:t>
+            </a:r>
+            <a:r>
+              <a:rPr lang="en-GB"/>
+              <a:t>document them (1 page?)</a:t>
+            </a:r>
+            <a:endParaRPr lang="en-GB" dirty="0"/>
+          </a:p>
         </p:txBody>
       </p:sp>
       <p:sp>
@@ -6323,7 +6549,7 @@
           <p:cNvPr id="2" name="Title 1">
             <a:extLst>
               <a:ext uri="{FF2B5EF4-FFF2-40B4-BE49-F238E27FC236}">
-                <a16:creationId xmlns:a16="http://schemas.microsoft.com/office/drawing/2014/main" id="{33D8DB0A-82DC-4A62-BA13-4B700E902C8D}"/>
+                <a16:creationId xmlns:a16="http://schemas.microsoft.com/office/drawing/2014/main" id="{B1C66008-67F5-435E-B80A-3BBC8AF25513}"/>
               </a:ext>
             </a:extLst>
           </p:cNvPr>
@@ -6341,138 +6567,63 @@
           <a:p>
             <a:r>
               <a:rPr lang="en-GB" dirty="0"/>
-              <a:t>Tom </a:t>
-            </a:r>
-            <a:r>
-              <a:rPr lang="en-GB" dirty="0" err="1"/>
-              <a:t>Kyte</a:t>
-            </a:r>
+              <a:t>Steven Feuerstein</a:t>
+            </a:r>
+          </a:p>
+        </p:txBody>
+      </p:sp>
+      <p:sp>
+        <p:nvSpPr>
+          <p:cNvPr id="3" name="Content Placeholder 2">
+            <a:extLst>
+              <a:ext uri="{FF2B5EF4-FFF2-40B4-BE49-F238E27FC236}">
+                <a16:creationId xmlns:a16="http://schemas.microsoft.com/office/drawing/2014/main" id="{98EBA7F6-0C11-4C02-8CD3-59410BA54CD2}"/>
+              </a:ext>
+            </a:extLst>
+          </p:cNvPr>
+          <p:cNvSpPr>
+            <a:spLocks noGrp="1"/>
+          </p:cNvSpPr>
+          <p:nvPr>
+            <p:ph idx="1"/>
+          </p:nvPr>
+        </p:nvSpPr>
+        <p:spPr/>
+        <p:txBody>
+          <a:bodyPr/>
+          <a:lstStyle/>
+          <a:p>
             <a:r>
               <a:rPr lang="en-GB" dirty="0"/>
-              <a:t> (1)</a:t>
-            </a:r>
-          </a:p>
-        </p:txBody>
-      </p:sp>
-      <p:sp>
-        <p:nvSpPr>
-          <p:cNvPr id="3" name="Content Placeholder 2">
-            <a:extLst>
-              <a:ext uri="{FF2B5EF4-FFF2-40B4-BE49-F238E27FC236}">
-                <a16:creationId xmlns:a16="http://schemas.microsoft.com/office/drawing/2014/main" id="{63647E7F-D6CA-4765-ABB4-B966AC849E6F}"/>
-              </a:ext>
-            </a:extLst>
-          </p:cNvPr>
-          <p:cNvSpPr>
-            <a:spLocks noGrp="1"/>
-          </p:cNvSpPr>
-          <p:nvPr>
-            <p:ph idx="1"/>
-          </p:nvPr>
-        </p:nvSpPr>
-        <p:spPr/>
-        <p:txBody>
-          <a:bodyPr>
-            <a:normAutofit fontScale="92500" lnSpcReduction="10000"/>
-          </a:bodyPr>
-          <a:lstStyle/>
+              <a:t>Oracle PL/SQL guru since 1994, very good communicator</a:t>
+            </a:r>
+          </a:p>
           <a:p>
             <a:r>
               <a:rPr lang="en-GB" dirty="0"/>
-              <a:t>Oracle guru working for Oracle since 1993</a:t>
+              <a:t>Has written books about PL/SQL from Oracle 7 onwards</a:t>
             </a:r>
           </a:p>
           <a:p>
             <a:r>
               <a:rPr lang="en-GB" dirty="0"/>
-              <a:t>Retired in 2015</a:t>
+              <a:t>https://www.stevenfeuerstein.com/</a:t>
             </a:r>
           </a:p>
           <a:p>
             <a:r>
               <a:rPr lang="en-GB" dirty="0"/>
-              <a:t>Don’t (just) listen to gurus: this is an exception</a:t>
-            </a:r>
-          </a:p>
-          <a:p>
-            <a:r>
-              <a:rPr lang="en-GB" dirty="0" err="1"/>
-              <a:t>AskTOM</a:t>
-            </a:r>
-            <a:r>
-              <a:rPr lang="en-GB" dirty="0"/>
-              <a:t> website</a:t>
-            </a:r>
-          </a:p>
-          <a:p>
-            <a:r>
-              <a:rPr lang="en-GB" dirty="0"/>
-              <a:t>Books (still interesting):</a:t>
-            </a:r>
-          </a:p>
-          <a:p>
-            <a:pPr lvl="1"/>
-            <a:r>
-              <a:rPr lang="en-GB" b="0" i="0" dirty="0">
-                <a:solidFill>
-                  <a:srgbClr val="000000"/>
-                </a:solidFill>
-                <a:effectLst/>
-                <a:latin typeface="Arial" panose="020B0604020202020204" pitchFamily="34" charset="0"/>
-              </a:rPr>
-              <a:t>Expert One on One Oracle (2003)</a:t>
-            </a:r>
-          </a:p>
-          <a:p>
-            <a:pPr lvl="1"/>
-            <a:r>
-              <a:rPr lang="en-GB" b="0" i="0" dirty="0">
-                <a:solidFill>
-                  <a:srgbClr val="000000"/>
-                </a:solidFill>
-                <a:effectLst/>
-                <a:latin typeface="Arial" panose="020B0604020202020204" pitchFamily="34" charset="0"/>
-              </a:rPr>
-              <a:t>Effective Oracle by Design (2003)</a:t>
-            </a:r>
-          </a:p>
-          <a:p>
-            <a:pPr lvl="1"/>
-            <a:r>
-              <a:rPr lang="en-GB" b="0" i="0" dirty="0">
-                <a:solidFill>
-                  <a:srgbClr val="000000"/>
-                </a:solidFill>
-                <a:effectLst/>
-                <a:latin typeface="Arial" panose="020B0604020202020204" pitchFamily="34" charset="0"/>
-              </a:rPr>
-              <a:t>Expert Oracle Database Architecture: 9i and 10g Programming Techniques and Solutions (2005)</a:t>
-            </a:r>
-          </a:p>
-          <a:p>
-            <a:pPr lvl="1"/>
-            <a:r>
-              <a:rPr lang="en-GB" b="0" i="0" dirty="0">
-                <a:solidFill>
-                  <a:srgbClr val="000000"/>
-                </a:solidFill>
-                <a:effectLst/>
-                <a:latin typeface="Arial" panose="020B0604020202020204" pitchFamily="34" charset="0"/>
-              </a:rPr>
-              <a:t>Expert Oracle Database Architecture: Oracle Database 9i, 10g, and 11g Programming Techniques and Solutions (2010)</a:t>
-            </a:r>
-          </a:p>
-          <a:p>
-            <a:endParaRPr lang="en-GB" dirty="0"/>
-          </a:p>
-        </p:txBody>
-      </p:sp>
-      <p:sp>
-        <p:nvSpPr>
-          <p:cNvPr id="4" name="Date Placeholder 3">
-            <a:extLst>
-              <a:ext uri="{FF2B5EF4-FFF2-40B4-BE49-F238E27FC236}">
-                <a16:creationId xmlns:a16="http://schemas.microsoft.com/office/drawing/2014/main" id="{364932F1-ADD3-425F-83C6-73842A811749}"/>
+              <a:t>Very interesting: quizzes on https://devgym.oracle.com</a:t>
+            </a:r>
+          </a:p>
+        </p:txBody>
+      </p:sp>
+      <p:sp>
+        <p:nvSpPr>
+          <p:cNvPr id="6" name="Date Placeholder 5">
+            <a:extLst>
+              <a:ext uri="{FF2B5EF4-FFF2-40B4-BE49-F238E27FC236}">
+                <a16:creationId xmlns:a16="http://schemas.microsoft.com/office/drawing/2014/main" id="{C69306BE-51DD-47E1-A4F0-DBF6AF924437}"/>
               </a:ext>
             </a:extLst>
           </p:cNvPr>
@@ -6498,10 +6649,10 @@
       </p:sp>
       <p:sp>
         <p:nvSpPr>
-          <p:cNvPr id="5" name="Footer Placeholder 4">
-            <a:extLst>
-              <a:ext uri="{FF2B5EF4-FFF2-40B4-BE49-F238E27FC236}">
-                <a16:creationId xmlns:a16="http://schemas.microsoft.com/office/drawing/2014/main" id="{0C465870-E23C-4499-A00D-C08617273A5A}"/>
+          <p:cNvPr id="7" name="Footer Placeholder 6">
+            <a:extLst>
+              <a:ext uri="{FF2B5EF4-FFF2-40B4-BE49-F238E27FC236}">
+                <a16:creationId xmlns:a16="http://schemas.microsoft.com/office/drawing/2014/main" id="{4D3FEC22-2520-42F8-8477-AC58757A0606}"/>
               </a:ext>
             </a:extLst>
           </p:cNvPr>
@@ -6527,10 +6678,10 @@
       </p:sp>
       <p:sp>
         <p:nvSpPr>
-          <p:cNvPr id="6" name="Slide Number Placeholder 5">
-            <a:extLst>
-              <a:ext uri="{FF2B5EF4-FFF2-40B4-BE49-F238E27FC236}">
-                <a16:creationId xmlns:a16="http://schemas.microsoft.com/office/drawing/2014/main" id="{04844F05-261C-4BCC-80D6-DD7442C73485}"/>
+          <p:cNvPr id="8" name="Slide Number Placeholder 7">
+            <a:extLst>
+              <a:ext uri="{FF2B5EF4-FFF2-40B4-BE49-F238E27FC236}">
+                <a16:creationId xmlns:a16="http://schemas.microsoft.com/office/drawing/2014/main" id="{78383D65-3AD5-48E8-BD21-EB845F20146E}"/>
               </a:ext>
             </a:extLst>
           </p:cNvPr>
@@ -6557,7 +6708,7 @@
     </p:spTree>
     <p:extLst>
       <p:ext uri="{BB962C8B-B14F-4D97-AF65-F5344CB8AC3E}">
-        <p14:creationId xmlns:p14="http://schemas.microsoft.com/office/powerpoint/2010/main" val="790076514"/>
+        <p14:creationId xmlns:p14="http://schemas.microsoft.com/office/powerpoint/2010/main" val="2622292758"/>
       </p:ext>
     </p:extLst>
   </p:cSld>
@@ -6589,7 +6740,7 @@
           <p:cNvPr id="2" name="Title 1">
             <a:extLst>
               <a:ext uri="{FF2B5EF4-FFF2-40B4-BE49-F238E27FC236}">
-                <a16:creationId xmlns:a16="http://schemas.microsoft.com/office/drawing/2014/main" id="{436F2DD9-7EF2-40DE-81CF-DDE7E2E28B4A}"/>
+                <a16:creationId xmlns:a16="http://schemas.microsoft.com/office/drawing/2014/main" id="{33D8DB0A-82DC-4A62-BA13-4B700E902C8D}"/>
               </a:ext>
             </a:extLst>
           </p:cNvPr>
@@ -6615,7 +6766,7 @@
             </a:r>
             <a:r>
               <a:rPr lang="en-GB" dirty="0"/>
-              <a:t> (2)</a:t>
+              <a:t> (1)</a:t>
             </a:r>
           </a:p>
         </p:txBody>
@@ -6625,7 +6776,7 @@
           <p:cNvPr id="3" name="Content Placeholder 2">
             <a:extLst>
               <a:ext uri="{FF2B5EF4-FFF2-40B4-BE49-F238E27FC236}">
-                <a16:creationId xmlns:a16="http://schemas.microsoft.com/office/drawing/2014/main" id="{C416F33D-4CFC-4DDD-9921-DF8A73C3C00B}"/>
+                <a16:creationId xmlns:a16="http://schemas.microsoft.com/office/drawing/2014/main" id="{63647E7F-D6CA-4765-ABB4-B966AC849E6F}"/>
               </a:ext>
             </a:extLst>
           </p:cNvPr>
@@ -6638,104 +6789,94 @@
         </p:nvSpPr>
         <p:spPr/>
         <p:txBody>
-          <a:bodyPr/>
-          <a:lstStyle/>
-          <a:p>
-            <a:pPr algn="l" fontAlgn="base"/>
+          <a:bodyPr>
+            <a:normAutofit fontScale="92500" lnSpcReduction="10000"/>
+          </a:bodyPr>
+          <a:lstStyle/>
+          <a:p>
+            <a:r>
+              <a:rPr lang="en-GB" dirty="0"/>
+              <a:t>Oracle guru working for Oracle since 1993</a:t>
+            </a:r>
+          </a:p>
+          <a:p>
+            <a:r>
+              <a:rPr lang="en-GB" dirty="0"/>
+              <a:t>Retired in 2015</a:t>
+            </a:r>
+          </a:p>
+          <a:p>
+            <a:r>
+              <a:rPr lang="en-GB" dirty="0"/>
+              <a:t>Don’t (just) listen to gurus: this is an exception</a:t>
+            </a:r>
+          </a:p>
+          <a:p>
+            <a:r>
+              <a:rPr lang="en-GB" dirty="0" err="1"/>
+              <a:t>AskTOM</a:t>
+            </a:r>
+            <a:r>
+              <a:rPr lang="en-GB" dirty="0"/>
+              <a:t> website</a:t>
+            </a:r>
+          </a:p>
+          <a:p>
+            <a:r>
+              <a:rPr lang="en-GB" dirty="0"/>
+              <a:t>Books (still interesting):</a:t>
+            </a:r>
+          </a:p>
+          <a:p>
+            <a:pPr lvl="1"/>
             <a:r>
               <a:rPr lang="en-GB" b="0" i="0" dirty="0">
                 <a:solidFill>
-                  <a:srgbClr val="242729"/>
+                  <a:srgbClr val="000000"/>
                 </a:solidFill>
                 <a:effectLst/>
-                <a:latin typeface="-apple-system"/>
+                <a:latin typeface="Arial" panose="020B0604020202020204" pitchFamily="34" charset="0"/>
               </a:rPr>
-              <a:t>Tom </a:t>
-            </a:r>
-            <a:r>
-              <a:rPr lang="en-GB" b="0" i="0" dirty="0" err="1">
+              <a:t>Expert One on One Oracle (2003)</a:t>
+            </a:r>
+          </a:p>
+          <a:p>
+            <a:pPr lvl="1"/>
+            <a:r>
+              <a:rPr lang="en-GB" b="0" i="0" dirty="0">
                 <a:solidFill>
-                  <a:srgbClr val="242729"/>
+                  <a:srgbClr val="000000"/>
                 </a:solidFill>
                 <a:effectLst/>
-                <a:latin typeface="-apple-system"/>
+                <a:latin typeface="Arial" panose="020B0604020202020204" pitchFamily="34" charset="0"/>
               </a:rPr>
-              <a:t>Kyte's</a:t>
-            </a:r>
+              <a:t>Effective Oracle by Design (2003)</a:t>
+            </a:r>
+          </a:p>
+          <a:p>
+            <a:pPr lvl="1"/>
             <a:r>
               <a:rPr lang="en-GB" b="0" i="0" dirty="0">
                 <a:solidFill>
-                  <a:srgbClr val="242729"/>
+                  <a:srgbClr val="000000"/>
                 </a:solidFill>
                 <a:effectLst/>
-                <a:latin typeface="-apple-system"/>
+                <a:latin typeface="Arial" panose="020B0604020202020204" pitchFamily="34" charset="0"/>
               </a:rPr>
-              <a:t> mantra is:</a:t>
-            </a:r>
-          </a:p>
-          <a:p>
-            <a:pPr lvl="1" fontAlgn="base"/>
+              <a:t>Expert Oracle Database Architecture: 9i and 10g Programming Techniques and Solutions (2005)</a:t>
+            </a:r>
+          </a:p>
+          <a:p>
+            <a:pPr lvl="1"/>
             <a:r>
               <a:rPr lang="en-GB" b="0" i="0" dirty="0">
                 <a:solidFill>
-                  <a:srgbClr val="242729"/>
+                  <a:srgbClr val="000000"/>
                 </a:solidFill>
                 <a:effectLst/>
-                <a:latin typeface="inherit"/>
+                <a:latin typeface="Arial" panose="020B0604020202020204" pitchFamily="34" charset="0"/>
               </a:rPr>
-              <a:t>You should do it just using one SQL statement if at all possible.</a:t>
-            </a:r>
-          </a:p>
-          <a:p>
-            <a:pPr lvl="1" fontAlgn="base"/>
-            <a:r>
-              <a:rPr lang="en-GB" b="0" i="0" dirty="0">
-                <a:solidFill>
-                  <a:srgbClr val="242729"/>
-                </a:solidFill>
-                <a:effectLst/>
-                <a:latin typeface="inherit"/>
-              </a:rPr>
-              <a:t>If you cannot do it in one SQL statement, then do it in PL/SQL.</a:t>
-            </a:r>
-          </a:p>
-          <a:p>
-            <a:pPr lvl="1" fontAlgn="base"/>
-            <a:r>
-              <a:rPr lang="en-GB" b="0" i="0" dirty="0">
-                <a:solidFill>
-                  <a:srgbClr val="242729"/>
-                </a:solidFill>
-                <a:effectLst/>
-                <a:latin typeface="inherit"/>
-              </a:rPr>
-              <a:t>If you cannot do it in PL/SQL, try a Java Stored Procedure.</a:t>
-            </a:r>
-          </a:p>
-          <a:p>
-            <a:pPr lvl="1" fontAlgn="base"/>
-            <a:r>
-              <a:rPr lang="en-GB" b="0" i="0" dirty="0">
-                <a:solidFill>
-                  <a:srgbClr val="242729"/>
-                </a:solidFill>
-                <a:effectLst/>
-                <a:latin typeface="inherit"/>
-              </a:rPr>
-              <a:t>If you cannot do it in Java, do it in a C external procedure.</a:t>
-            </a:r>
-          </a:p>
-          <a:p>
-            <a:pPr lvl="1" fontAlgn="base"/>
-            <a:r>
-              <a:rPr lang="en-GB" b="0" i="0" dirty="0">
-                <a:solidFill>
-                  <a:srgbClr val="242729"/>
-                </a:solidFill>
-                <a:effectLst/>
-                <a:latin typeface="inherit"/>
-              </a:rPr>
-              <a:t>If you cannot do it in a C external routine, you might want to seriously think about why it is you need to do it…</a:t>
+              <a:t>Expert Oracle Database Architecture: Oracle Database 9i, 10g, and 11g Programming Techniques and Solutions (2010)</a:t>
             </a:r>
           </a:p>
           <a:p>
@@ -6748,7 +6889,7 @@
           <p:cNvPr id="4" name="Date Placeholder 3">
             <a:extLst>
               <a:ext uri="{FF2B5EF4-FFF2-40B4-BE49-F238E27FC236}">
-                <a16:creationId xmlns:a16="http://schemas.microsoft.com/office/drawing/2014/main" id="{CF9BA048-A0FF-41F4-8F69-1724F364AD06}"/>
+                <a16:creationId xmlns:a16="http://schemas.microsoft.com/office/drawing/2014/main" id="{364932F1-ADD3-425F-83C6-73842A811749}"/>
               </a:ext>
             </a:extLst>
           </p:cNvPr>
@@ -6777,7 +6918,7 @@
           <p:cNvPr id="5" name="Footer Placeholder 4">
             <a:extLst>
               <a:ext uri="{FF2B5EF4-FFF2-40B4-BE49-F238E27FC236}">
-                <a16:creationId xmlns:a16="http://schemas.microsoft.com/office/drawing/2014/main" id="{3A0F2D73-9D71-40BB-B634-511C40B97C92}"/>
+                <a16:creationId xmlns:a16="http://schemas.microsoft.com/office/drawing/2014/main" id="{0C465870-E23C-4499-A00D-C08617273A5A}"/>
               </a:ext>
             </a:extLst>
           </p:cNvPr>
@@ -6806,7 +6947,7 @@
           <p:cNvPr id="6" name="Slide Number Placeholder 5">
             <a:extLst>
               <a:ext uri="{FF2B5EF4-FFF2-40B4-BE49-F238E27FC236}">
-                <a16:creationId xmlns:a16="http://schemas.microsoft.com/office/drawing/2014/main" id="{CC0C5BA6-5110-4ABF-8EA9-E70D56AC4334}"/>
+                <a16:creationId xmlns:a16="http://schemas.microsoft.com/office/drawing/2014/main" id="{04844F05-261C-4BCC-80D6-DD7442C73485}"/>
               </a:ext>
             </a:extLst>
           </p:cNvPr>
@@ -6833,7 +6974,7 @@
     </p:spTree>
     <p:extLst>
       <p:ext uri="{BB962C8B-B14F-4D97-AF65-F5344CB8AC3E}">
-        <p14:creationId xmlns:p14="http://schemas.microsoft.com/office/powerpoint/2010/main" val="720800731"/>
+        <p14:creationId xmlns:p14="http://schemas.microsoft.com/office/powerpoint/2010/main" val="790076514"/>
       </p:ext>
     </p:extLst>
   </p:cSld>
@@ -6865,7 +7006,7 @@
           <p:cNvPr id="2" name="Title 1">
             <a:extLst>
               <a:ext uri="{FF2B5EF4-FFF2-40B4-BE49-F238E27FC236}">
-                <a16:creationId xmlns:a16="http://schemas.microsoft.com/office/drawing/2014/main" id="{B1C66008-67F5-435E-B80A-3BBC8AF25513}"/>
+                <a16:creationId xmlns:a16="http://schemas.microsoft.com/office/drawing/2014/main" id="{436F2DD9-7EF2-40DE-81CF-DDE7E2E28B4A}"/>
               </a:ext>
             </a:extLst>
           </p:cNvPr>
@@ -6891,7 +7032,7 @@
             </a:r>
             <a:r>
               <a:rPr lang="en-GB" dirty="0"/>
-              <a:t> (3)</a:t>
+              <a:t> (2)</a:t>
             </a:r>
           </a:p>
         </p:txBody>
@@ -6901,7 +7042,7 @@
           <p:cNvPr id="3" name="Content Placeholder 2">
             <a:extLst>
               <a:ext uri="{FF2B5EF4-FFF2-40B4-BE49-F238E27FC236}">
-                <a16:creationId xmlns:a16="http://schemas.microsoft.com/office/drawing/2014/main" id="{98EBA7F6-0C11-4C02-8CD3-59410BA54CD2}"/>
+                <a16:creationId xmlns:a16="http://schemas.microsoft.com/office/drawing/2014/main" id="{C416F33D-4CFC-4DDD-9921-DF8A73C3C00B}"/>
               </a:ext>
             </a:extLst>
           </p:cNvPr>
@@ -6917,29 +7058,114 @@
           <a:bodyPr/>
           <a:lstStyle/>
           <a:p>
-            <a:r>
-              <a:rPr lang="en-GB" dirty="0"/>
-              <a:t>From </a:t>
-            </a:r>
-            <a:r>
-              <a:rPr lang="en-GB" dirty="0">
-                <a:hlinkClick r:id="rId2"/>
+            <a:pPr algn="l" fontAlgn="base"/>
+            <a:r>
+              <a:rPr lang="en-GB" b="0" i="0" dirty="0">
+                <a:solidFill>
+                  <a:srgbClr val="242729"/>
+                </a:solidFill>
+                <a:effectLst/>
+                <a:latin typeface="-apple-system"/>
               </a:rPr>
-              <a:t>presentation in 2011, Efficient PL/SQL Why and How? </a:t>
-            </a:r>
+              <a:t>Tom </a:t>
+            </a:r>
+            <a:r>
+              <a:rPr lang="en-GB" b="0" i="0" dirty="0" err="1">
+                <a:solidFill>
+                  <a:srgbClr val="242729"/>
+                </a:solidFill>
+                <a:effectLst/>
+                <a:latin typeface="-apple-system"/>
+              </a:rPr>
+              <a:t>Kyte's</a:t>
+            </a:r>
+            <a:r>
+              <a:rPr lang="en-GB" b="0" i="0" dirty="0">
+                <a:solidFill>
+                  <a:srgbClr val="242729"/>
+                </a:solidFill>
+                <a:effectLst/>
+                <a:latin typeface="-apple-system"/>
+              </a:rPr>
+              <a:t> mantra is:</a:t>
+            </a:r>
+          </a:p>
+          <a:p>
+            <a:pPr lvl="1" fontAlgn="base"/>
+            <a:r>
+              <a:rPr lang="en-GB" b="0" i="0" dirty="0">
+                <a:solidFill>
+                  <a:srgbClr val="242729"/>
+                </a:solidFill>
+                <a:effectLst/>
+                <a:latin typeface="inherit"/>
+              </a:rPr>
+              <a:t>You should do it just using one SQL statement if at all possible.</a:t>
+            </a:r>
+          </a:p>
+          <a:p>
+            <a:pPr lvl="1" fontAlgn="base"/>
+            <a:r>
+              <a:rPr lang="en-GB" b="0" i="0" dirty="0">
+                <a:solidFill>
+                  <a:srgbClr val="242729"/>
+                </a:solidFill>
+                <a:effectLst/>
+                <a:latin typeface="inherit"/>
+              </a:rPr>
+              <a:t>If you cannot do it in one SQL statement, then do it in PL/SQL.</a:t>
+            </a:r>
+          </a:p>
+          <a:p>
+            <a:pPr lvl="1" fontAlgn="base"/>
+            <a:r>
+              <a:rPr lang="en-GB" b="0" i="0" dirty="0">
+                <a:solidFill>
+                  <a:srgbClr val="242729"/>
+                </a:solidFill>
+                <a:effectLst/>
+                <a:latin typeface="inherit"/>
+              </a:rPr>
+              <a:t>If you cannot do it in PL/SQL, try a Java Stored Procedure.</a:t>
+            </a:r>
+          </a:p>
+          <a:p>
+            <a:pPr lvl="1" fontAlgn="base"/>
+            <a:r>
+              <a:rPr lang="en-GB" b="0" i="0" dirty="0">
+                <a:solidFill>
+                  <a:srgbClr val="242729"/>
+                </a:solidFill>
+                <a:effectLst/>
+                <a:latin typeface="inherit"/>
+              </a:rPr>
+              <a:t>If you cannot do it in Java, do it in a C external procedure.</a:t>
+            </a:r>
+          </a:p>
+          <a:p>
+            <a:pPr lvl="1" fontAlgn="base"/>
+            <a:r>
+              <a:rPr lang="en-GB" b="0" i="0" dirty="0">
+                <a:solidFill>
+                  <a:srgbClr val="242729"/>
+                </a:solidFill>
+                <a:effectLst/>
+                <a:latin typeface="inherit"/>
+              </a:rPr>
+              <a:t>If you cannot do it in a C external routine, you might want to seriously think about why it is you need to do it…</a:t>
+            </a:r>
+          </a:p>
+          <a:p>
             <a:endParaRPr lang="en-GB" dirty="0"/>
           </a:p>
-          <a:p>
-            <a:endParaRPr lang="en-GB" dirty="0"/>
-          </a:p>
-        </p:txBody>
-      </p:sp>
-      <p:sp>
-        <p:nvSpPr>
-          <p:cNvPr id="6" name="Date Placeholder 5">
-            <a:extLst>
-              <a:ext uri="{FF2B5EF4-FFF2-40B4-BE49-F238E27FC236}">
-                <a16:creationId xmlns:a16="http://schemas.microsoft.com/office/drawing/2014/main" id="{C69306BE-51DD-47E1-A4F0-DBF6AF924437}"/>
+        </p:txBody>
+      </p:sp>
+      <p:sp>
+        <p:nvSpPr>
+          <p:cNvPr id="4" name="Date Placeholder 3">
+            <a:extLst>
+              <a:ext uri="{FF2B5EF4-FFF2-40B4-BE49-F238E27FC236}">
+                <a16:creationId xmlns:a16="http://schemas.microsoft.com/office/drawing/2014/main" id="{CF9BA048-A0FF-41F4-8F69-1724F364AD06}"/>
               </a:ext>
             </a:extLst>
           </p:cNvPr>
@@ -6965,10 +7191,10 @@
       </p:sp>
       <p:sp>
         <p:nvSpPr>
-          <p:cNvPr id="7" name="Footer Placeholder 6">
-            <a:extLst>
-              <a:ext uri="{FF2B5EF4-FFF2-40B4-BE49-F238E27FC236}">
-                <a16:creationId xmlns:a16="http://schemas.microsoft.com/office/drawing/2014/main" id="{4D3FEC22-2520-42F8-8477-AC58757A0606}"/>
+          <p:cNvPr id="5" name="Footer Placeholder 4">
+            <a:extLst>
+              <a:ext uri="{FF2B5EF4-FFF2-40B4-BE49-F238E27FC236}">
+                <a16:creationId xmlns:a16="http://schemas.microsoft.com/office/drawing/2014/main" id="{3A0F2D73-9D71-40BB-B634-511C40B97C92}"/>
               </a:ext>
             </a:extLst>
           </p:cNvPr>
@@ -6994,10 +7220,10 @@
       </p:sp>
       <p:sp>
         <p:nvSpPr>
-          <p:cNvPr id="8" name="Slide Number Placeholder 7">
-            <a:extLst>
-              <a:ext uri="{FF2B5EF4-FFF2-40B4-BE49-F238E27FC236}">
-                <a16:creationId xmlns:a16="http://schemas.microsoft.com/office/drawing/2014/main" id="{78383D65-3AD5-48E8-BD21-EB845F20146E}"/>
+          <p:cNvPr id="6" name="Slide Number Placeholder 5">
+            <a:extLst>
+              <a:ext uri="{FF2B5EF4-FFF2-40B4-BE49-F238E27FC236}">
+                <a16:creationId xmlns:a16="http://schemas.microsoft.com/office/drawing/2014/main" id="{CC0C5BA6-5110-4ABF-8EA9-E70D56AC4334}"/>
               </a:ext>
             </a:extLst>
           </p:cNvPr>
@@ -7024,7 +7250,7 @@
     </p:spTree>
     <p:extLst>
       <p:ext uri="{BB962C8B-B14F-4D97-AF65-F5344CB8AC3E}">
-        <p14:creationId xmlns:p14="http://schemas.microsoft.com/office/powerpoint/2010/main" val="847035891"/>
+        <p14:creationId xmlns:p14="http://schemas.microsoft.com/office/powerpoint/2010/main" val="720800731"/>
       </p:ext>
     </p:extLst>
   </p:cSld>
@@ -7056,7 +7282,7 @@
           <p:cNvPr id="2" name="Title 1">
             <a:extLst>
               <a:ext uri="{FF2B5EF4-FFF2-40B4-BE49-F238E27FC236}">
-                <a16:creationId xmlns:a16="http://schemas.microsoft.com/office/drawing/2014/main" id="{76C54A37-0564-4CC0-B3F9-3EB4B73FE4D8}"/>
+                <a16:creationId xmlns:a16="http://schemas.microsoft.com/office/drawing/2014/main" id="{B1C66008-67F5-435E-B80A-3BBC8AF25513}"/>
               </a:ext>
             </a:extLst>
           </p:cNvPr>
@@ -7072,7 +7298,18 @@
           <a:bodyPr/>
           <a:lstStyle/>
           <a:p>
-            <a:endParaRPr lang="en-GB"/>
+            <a:r>
+              <a:rPr lang="en-GB" dirty="0"/>
+              <a:t>Tom </a:t>
+            </a:r>
+            <a:r>
+              <a:rPr lang="en-GB" dirty="0" err="1"/>
+              <a:t>Kyte</a:t>
+            </a:r>
+            <a:r>
+              <a:rPr lang="en-GB" dirty="0"/>
+              <a:t> (3)</a:t>
+            </a:r>
           </a:p>
         </p:txBody>
       </p:sp>
@@ -7081,7 +7318,7 @@
           <p:cNvPr id="3" name="Content Placeholder 2">
             <a:extLst>
               <a:ext uri="{FF2B5EF4-FFF2-40B4-BE49-F238E27FC236}">
-                <a16:creationId xmlns:a16="http://schemas.microsoft.com/office/drawing/2014/main" id="{AA700FA9-0BA4-4A3E-AC7E-B11DBDE5261B}"/>
+                <a16:creationId xmlns:a16="http://schemas.microsoft.com/office/drawing/2014/main" id="{98EBA7F6-0C11-4C02-8CD3-59410BA54CD2}"/>
               </a:ext>
             </a:extLst>
           </p:cNvPr>
@@ -7097,46 +7334,29 @@
           <a:bodyPr/>
           <a:lstStyle/>
           <a:p>
-            <a:endParaRPr lang="en-GB"/>
-          </a:p>
-        </p:txBody>
-      </p:sp>
-      <p:pic>
-        <p:nvPicPr>
-          <p:cNvPr id="5" name="Picture 4">
-            <a:extLst>
-              <a:ext uri="{FF2B5EF4-FFF2-40B4-BE49-F238E27FC236}">
-                <a16:creationId xmlns:a16="http://schemas.microsoft.com/office/drawing/2014/main" id="{602FF225-12AA-4FEE-8A32-4D58F9EE7800}"/>
-              </a:ext>
-            </a:extLst>
-          </p:cNvPr>
-          <p:cNvPicPr>
-            <a:picLocks noChangeAspect="1"/>
-          </p:cNvPicPr>
-          <p:nvPr/>
-        </p:nvPicPr>
-        <p:blipFill>
-          <a:blip r:embed="rId2"/>
-          <a:stretch>
-            <a:fillRect/>
-          </a:stretch>
-        </p:blipFill>
-        <p:spPr>
-          <a:xfrm>
-            <a:off x="0" y="0"/>
-            <a:ext cx="12192000" cy="6858000"/>
-          </a:xfrm>
-          <a:prstGeom prst="rect">
-            <a:avLst/>
-          </a:prstGeom>
-        </p:spPr>
-      </p:pic>
+            <a:r>
+              <a:rPr lang="en-GB" dirty="0"/>
+              <a:t>From </a:t>
+            </a:r>
+            <a:r>
+              <a:rPr lang="en-GB" dirty="0">
+                <a:hlinkClick r:id="rId2"/>
+              </a:rPr>
+              <a:t>presentation in 2011, Efficient PL/SQL Why and How? </a:t>
+            </a:r>
+            <a:endParaRPr lang="en-GB" dirty="0"/>
+          </a:p>
+          <a:p>
+            <a:endParaRPr lang="en-GB" dirty="0"/>
+          </a:p>
+        </p:txBody>
+      </p:sp>
       <p:sp>
         <p:nvSpPr>
           <p:cNvPr id="6" name="Date Placeholder 5">
             <a:extLst>
               <a:ext uri="{FF2B5EF4-FFF2-40B4-BE49-F238E27FC236}">
-                <a16:creationId xmlns:a16="http://schemas.microsoft.com/office/drawing/2014/main" id="{3DB05F5D-0AC5-43FB-8C8D-19EDD0A593A6}"/>
+                <a16:creationId xmlns:a16="http://schemas.microsoft.com/office/drawing/2014/main" id="{C69306BE-51DD-47E1-A4F0-DBF6AF924437}"/>
               </a:ext>
             </a:extLst>
           </p:cNvPr>
@@ -7165,7 +7385,7 @@
           <p:cNvPr id="7" name="Footer Placeholder 6">
             <a:extLst>
               <a:ext uri="{FF2B5EF4-FFF2-40B4-BE49-F238E27FC236}">
-                <a16:creationId xmlns:a16="http://schemas.microsoft.com/office/drawing/2014/main" id="{1CDDF1C2-B2F5-4260-8DBC-343D04B170E6}"/>
+                <a16:creationId xmlns:a16="http://schemas.microsoft.com/office/drawing/2014/main" id="{4D3FEC22-2520-42F8-8477-AC58757A0606}"/>
               </a:ext>
             </a:extLst>
           </p:cNvPr>
@@ -7194,7 +7414,7 @@
           <p:cNvPr id="8" name="Slide Number Placeholder 7">
             <a:extLst>
               <a:ext uri="{FF2B5EF4-FFF2-40B4-BE49-F238E27FC236}">
-                <a16:creationId xmlns:a16="http://schemas.microsoft.com/office/drawing/2014/main" id="{66251D65-2252-4AC6-AAC2-DDCD866AAA7E}"/>
+                <a16:creationId xmlns:a16="http://schemas.microsoft.com/office/drawing/2014/main" id="{78383D65-3AD5-48E8-BD21-EB845F20146E}"/>
               </a:ext>
             </a:extLst>
           </p:cNvPr>
@@ -7221,7 +7441,7 @@
     </p:spTree>
     <p:extLst>
       <p:ext uri="{BB962C8B-B14F-4D97-AF65-F5344CB8AC3E}">
-        <p14:creationId xmlns:p14="http://schemas.microsoft.com/office/powerpoint/2010/main" val="661403755"/>
+        <p14:creationId xmlns:p14="http://schemas.microsoft.com/office/powerpoint/2010/main" val="847035891"/>
       </p:ext>
     </p:extLst>
   </p:cSld>
@@ -7253,7 +7473,7 @@
           <p:cNvPr id="2" name="Title 1">
             <a:extLst>
               <a:ext uri="{FF2B5EF4-FFF2-40B4-BE49-F238E27FC236}">
-                <a16:creationId xmlns:a16="http://schemas.microsoft.com/office/drawing/2014/main" id="{951200FE-DAB1-427C-B4B9-D6170D8499AE}"/>
+                <a16:creationId xmlns:a16="http://schemas.microsoft.com/office/drawing/2014/main" id="{76C54A37-0564-4CC0-B3F9-3EB4B73FE4D8}"/>
               </a:ext>
             </a:extLst>
           </p:cNvPr>
@@ -7278,7 +7498,7 @@
           <p:cNvPr id="3" name="Content Placeholder 2">
             <a:extLst>
               <a:ext uri="{FF2B5EF4-FFF2-40B4-BE49-F238E27FC236}">
-                <a16:creationId xmlns:a16="http://schemas.microsoft.com/office/drawing/2014/main" id="{4E621E35-846E-47A5-8065-2CFEBE81F364}"/>
+                <a16:creationId xmlns:a16="http://schemas.microsoft.com/office/drawing/2014/main" id="{AA700FA9-0BA4-4A3E-AC7E-B11DBDE5261B}"/>
               </a:ext>
             </a:extLst>
           </p:cNvPr>
@@ -7303,7 +7523,7 @@
           <p:cNvPr id="5" name="Picture 4">
             <a:extLst>
               <a:ext uri="{FF2B5EF4-FFF2-40B4-BE49-F238E27FC236}">
-                <a16:creationId xmlns:a16="http://schemas.microsoft.com/office/drawing/2014/main" id="{B3BBDEB9-7865-4D7C-99C0-AF3AC23CCFF3}"/>
+                <a16:creationId xmlns:a16="http://schemas.microsoft.com/office/drawing/2014/main" id="{602FF225-12AA-4FEE-8A32-4D58F9EE7800}"/>
               </a:ext>
             </a:extLst>
           </p:cNvPr>
@@ -7333,7 +7553,7 @@
           <p:cNvPr id="6" name="Date Placeholder 5">
             <a:extLst>
               <a:ext uri="{FF2B5EF4-FFF2-40B4-BE49-F238E27FC236}">
-                <a16:creationId xmlns:a16="http://schemas.microsoft.com/office/drawing/2014/main" id="{7B072EAF-7FD0-47B3-8545-8AFA384D8ED2}"/>
+                <a16:creationId xmlns:a16="http://schemas.microsoft.com/office/drawing/2014/main" id="{3DB05F5D-0AC5-43FB-8C8D-19EDD0A593A6}"/>
               </a:ext>
             </a:extLst>
           </p:cNvPr>
@@ -7362,7 +7582,7 @@
           <p:cNvPr id="7" name="Footer Placeholder 6">
             <a:extLst>
               <a:ext uri="{FF2B5EF4-FFF2-40B4-BE49-F238E27FC236}">
-                <a16:creationId xmlns:a16="http://schemas.microsoft.com/office/drawing/2014/main" id="{1666AFF4-B8DA-492D-9F16-8A465BDA5EEE}"/>
+                <a16:creationId xmlns:a16="http://schemas.microsoft.com/office/drawing/2014/main" id="{1CDDF1C2-B2F5-4260-8DBC-343D04B170E6}"/>
               </a:ext>
             </a:extLst>
           </p:cNvPr>
@@ -7391,7 +7611,7 @@
           <p:cNvPr id="8" name="Slide Number Placeholder 7">
             <a:extLst>
               <a:ext uri="{FF2B5EF4-FFF2-40B4-BE49-F238E27FC236}">
-                <a16:creationId xmlns:a16="http://schemas.microsoft.com/office/drawing/2014/main" id="{B030FFA5-DC97-43DE-9828-EC77269E4669}"/>
+                <a16:creationId xmlns:a16="http://schemas.microsoft.com/office/drawing/2014/main" id="{66251D65-2252-4AC6-AAC2-DDCD866AAA7E}"/>
               </a:ext>
             </a:extLst>
           </p:cNvPr>
@@ -7418,7 +7638,7 @@
     </p:spTree>
     <p:extLst>
       <p:ext uri="{BB962C8B-B14F-4D97-AF65-F5344CB8AC3E}">
-        <p14:creationId xmlns:p14="http://schemas.microsoft.com/office/powerpoint/2010/main" val="3329064361"/>
+        <p14:creationId xmlns:p14="http://schemas.microsoft.com/office/powerpoint/2010/main" val="661403755"/>
       </p:ext>
     </p:extLst>
   </p:cSld>
@@ -7450,7 +7670,7 @@
           <p:cNvPr id="2" name="Title 1">
             <a:extLst>
               <a:ext uri="{FF2B5EF4-FFF2-40B4-BE49-F238E27FC236}">
-                <a16:creationId xmlns:a16="http://schemas.microsoft.com/office/drawing/2014/main" id="{67854708-1F10-4312-AC78-4D85A5DF4BD9}"/>
+                <a16:creationId xmlns:a16="http://schemas.microsoft.com/office/drawing/2014/main" id="{951200FE-DAB1-427C-B4B9-D6170D8499AE}"/>
               </a:ext>
             </a:extLst>
           </p:cNvPr>
@@ -7475,7 +7695,7 @@
           <p:cNvPr id="3" name="Content Placeholder 2">
             <a:extLst>
               <a:ext uri="{FF2B5EF4-FFF2-40B4-BE49-F238E27FC236}">
-                <a16:creationId xmlns:a16="http://schemas.microsoft.com/office/drawing/2014/main" id="{A48EBFDF-1170-40F3-8D23-00047DBC7282}"/>
+                <a16:creationId xmlns:a16="http://schemas.microsoft.com/office/drawing/2014/main" id="{4E621E35-846E-47A5-8065-2CFEBE81F364}"/>
               </a:ext>
             </a:extLst>
           </p:cNvPr>
@@ -7500,7 +7720,7 @@
           <p:cNvPr id="5" name="Picture 4">
             <a:extLst>
               <a:ext uri="{FF2B5EF4-FFF2-40B4-BE49-F238E27FC236}">
-                <a16:creationId xmlns:a16="http://schemas.microsoft.com/office/drawing/2014/main" id="{4C0A2E05-6E7D-479E-BF4B-020D68D61218}"/>
+                <a16:creationId xmlns:a16="http://schemas.microsoft.com/office/drawing/2014/main" id="{B3BBDEB9-7865-4D7C-99C0-AF3AC23CCFF3}"/>
               </a:ext>
             </a:extLst>
           </p:cNvPr>
@@ -7530,7 +7750,7 @@
           <p:cNvPr id="6" name="Date Placeholder 5">
             <a:extLst>
               <a:ext uri="{FF2B5EF4-FFF2-40B4-BE49-F238E27FC236}">
-                <a16:creationId xmlns:a16="http://schemas.microsoft.com/office/drawing/2014/main" id="{63FAB503-783C-4275-9045-71CD986D67A3}"/>
+                <a16:creationId xmlns:a16="http://schemas.microsoft.com/office/drawing/2014/main" id="{7B072EAF-7FD0-47B3-8545-8AFA384D8ED2}"/>
               </a:ext>
             </a:extLst>
           </p:cNvPr>
@@ -7559,7 +7779,7 @@
           <p:cNvPr id="7" name="Footer Placeholder 6">
             <a:extLst>
               <a:ext uri="{FF2B5EF4-FFF2-40B4-BE49-F238E27FC236}">
-                <a16:creationId xmlns:a16="http://schemas.microsoft.com/office/drawing/2014/main" id="{E1BE3951-C2A7-41B5-95D0-6A2385A86200}"/>
+                <a16:creationId xmlns:a16="http://schemas.microsoft.com/office/drawing/2014/main" id="{1666AFF4-B8DA-492D-9F16-8A465BDA5EEE}"/>
               </a:ext>
             </a:extLst>
           </p:cNvPr>
@@ -7588,7 +7808,7 @@
           <p:cNvPr id="8" name="Slide Number Placeholder 7">
             <a:extLst>
               <a:ext uri="{FF2B5EF4-FFF2-40B4-BE49-F238E27FC236}">
-                <a16:creationId xmlns:a16="http://schemas.microsoft.com/office/drawing/2014/main" id="{76930071-5DD2-4CC6-846D-030B94AD69F4}"/>
+                <a16:creationId xmlns:a16="http://schemas.microsoft.com/office/drawing/2014/main" id="{B030FFA5-DC97-43DE-9828-EC77269E4669}"/>
               </a:ext>
             </a:extLst>
           </p:cNvPr>
@@ -7615,7 +7835,7 @@
     </p:spTree>
     <p:extLst>
       <p:ext uri="{BB962C8B-B14F-4D97-AF65-F5344CB8AC3E}">
-        <p14:creationId xmlns:p14="http://schemas.microsoft.com/office/powerpoint/2010/main" val="99485643"/>
+        <p14:creationId xmlns:p14="http://schemas.microsoft.com/office/powerpoint/2010/main" val="3329064361"/>
       </p:ext>
     </p:extLst>
   </p:cSld>
